--- a/spring/docs/03-jsp-basic.pptx
+++ b/spring/docs/03-jsp-basic.pptx
@@ -6,12 +6,28 @@
     <p:sldMasterId id="2147483660" r:id="rId2"/>
   </p:sldMasterIdLst>
   <p:notesMasterIdLst>
-    <p:notesMasterId r:id="rId6"/>
+    <p:notesMasterId r:id="rId22"/>
   </p:notesMasterIdLst>
   <p:sldIdLst>
     <p:sldId id="256" r:id="rId3"/>
     <p:sldId id="262" r:id="rId4"/>
-    <p:sldId id="261" r:id="rId5"/>
+    <p:sldId id="263" r:id="rId5"/>
+    <p:sldId id="269" r:id="rId6"/>
+    <p:sldId id="266" r:id="rId7"/>
+    <p:sldId id="264" r:id="rId8"/>
+    <p:sldId id="265" r:id="rId9"/>
+    <p:sldId id="267" r:id="rId10"/>
+    <p:sldId id="272" r:id="rId11"/>
+    <p:sldId id="268" r:id="rId12"/>
+    <p:sldId id="270" r:id="rId13"/>
+    <p:sldId id="271" r:id="rId14"/>
+    <p:sldId id="273" r:id="rId15"/>
+    <p:sldId id="275" r:id="rId16"/>
+    <p:sldId id="274" r:id="rId17"/>
+    <p:sldId id="276" r:id="rId18"/>
+    <p:sldId id="277" r:id="rId19"/>
+    <p:sldId id="278" r:id="rId20"/>
+    <p:sldId id="261" r:id="rId21"/>
   </p:sldIdLst>
   <p:sldSz cx="9144000" cy="6858000" type="screen4x3"/>
   <p:notesSz cx="6858000" cy="9144000"/>
@@ -195,7 +211,7 @@
           <a:p>
             <a:fld id="{D6CB015B-B7FF-4093-8E19-9AD7339689D2}" type="datetimeFigureOut">
               <a:rPr lang="zh-CN" altLang="en-US" smtClean="0"/>
-              <a:t>2017/12/19</a:t>
+              <a:t>2017/12/20</a:t>
             </a:fld>
             <a:endParaRPr lang="zh-CN" altLang="en-US"/>
           </a:p>
@@ -550,7 +566,7 @@
             <a:fld id="{96901A81-0F01-4EEE-B1B8-8AAFCC661EC4}" type="slidenum">
               <a:rPr lang="zh-CN" altLang="en-US" smtClean="0"/>
               <a:pPr/>
-              <a:t>3</a:t>
+              <a:t>19</a:t>
             </a:fld>
             <a:endParaRPr lang="zh-CN" altLang="en-US"/>
           </a:p>
@@ -2165,7 +2181,7 @@
             <a:fld id="{B35E7478-ADE7-4480-A214-01473DFE0029}" type="datetimeFigureOut">
               <a:rPr lang="zh-CN" altLang="en-US" smtClean="0"/>
               <a:pPr/>
-              <a:t>2017/12/19</a:t>
+              <a:t>2017/12/20</a:t>
             </a:fld>
             <a:endParaRPr lang="zh-CN" altLang="en-US"/>
           </a:p>
@@ -6030,7 +6046,7 @@
             <a:fld id="{B35E7478-ADE7-4480-A214-01473DFE0029}" type="datetimeFigureOut">
               <a:rPr lang="zh-CN" altLang="en-US" smtClean="0"/>
               <a:pPr/>
-              <a:t>2017/12/19</a:t>
+              <a:t>2017/12/20</a:t>
             </a:fld>
             <a:endParaRPr lang="zh-CN" altLang="en-US"/>
           </a:p>
@@ -7698,7 +7714,7 @@
             <a:fld id="{B35E7478-ADE7-4480-A214-01473DFE0029}" type="datetimeFigureOut">
               <a:rPr lang="zh-CN" altLang="en-US" smtClean="0"/>
               <a:pPr/>
-              <a:t>2017/12/19</a:t>
+              <a:t>2017/12/20</a:t>
             </a:fld>
             <a:endParaRPr lang="zh-CN" altLang="en-US"/>
           </a:p>
@@ -12002,7 +12018,7 @@
                 </a:solidFill>
               </a:rPr>
               <a:pPr/>
-              <a:t>2017/12/19</a:t>
+              <a:t>2017/12/20</a:t>
             </a:fld>
             <a:endParaRPr lang="zh-CN" altLang="en-US">
               <a:solidFill>
@@ -15920,7 +15936,7 @@
                 </a:solidFill>
               </a:rPr>
               <a:pPr/>
-              <a:t>2017/12/19</a:t>
+              <a:t>2017/12/20</a:t>
             </a:fld>
             <a:endParaRPr lang="zh-CN" altLang="en-US">
               <a:solidFill>
@@ -21771,7 +21787,7 @@
                 </a:solidFill>
               </a:rPr>
               <a:pPr/>
-              <a:t>2017/12/19</a:t>
+              <a:t>2017/12/20</a:t>
             </a:fld>
             <a:endParaRPr lang="zh-CN" altLang="en-US">
               <a:solidFill>
@@ -22361,7 +22377,7 @@
                 </a:solidFill>
               </a:rPr>
               <a:pPr/>
-              <a:t>2017/12/19</a:t>
+              <a:t>2017/12/20</a:t>
             </a:fld>
             <a:endParaRPr lang="zh-CN" altLang="en-US">
               <a:solidFill>
@@ -26065,7 +26081,7 @@
                 </a:solidFill>
               </a:rPr>
               <a:pPr/>
-              <a:t>2017/12/19</a:t>
+              <a:t>2017/12/20</a:t>
             </a:fld>
             <a:endParaRPr lang="zh-CN" altLang="en-US">
               <a:solidFill>
@@ -26199,7 +26215,7 @@
                 </a:solidFill>
               </a:rPr>
               <a:pPr/>
-              <a:t>2017/12/19</a:t>
+              <a:t>2017/12/20</a:t>
             </a:fld>
             <a:endParaRPr lang="zh-CN" altLang="en-US">
               <a:solidFill>
@@ -27028,7 +27044,7 @@
             <a:fld id="{B35E7478-ADE7-4480-A214-01473DFE0029}" type="datetimeFigureOut">
               <a:rPr lang="zh-CN" altLang="en-US" smtClean="0"/>
               <a:pPr/>
-              <a:t>2017/12/19</a:t>
+              <a:t>2017/12/20</a:t>
             </a:fld>
             <a:endParaRPr lang="zh-CN" altLang="en-US"/>
           </a:p>
@@ -32356,7 +32372,7 @@
             <a:fld id="{B35E7478-ADE7-4480-A214-01473DFE0029}" type="datetimeFigureOut">
               <a:rPr lang="zh-CN" altLang="en-US" smtClean="0"/>
               <a:pPr/>
-              <a:t>2017/12/19</a:t>
+              <a:t>2017/12/20</a:t>
             </a:fld>
             <a:endParaRPr lang="zh-CN" altLang="en-US"/>
           </a:p>
@@ -37710,7 +37726,7 @@
             <a:fld id="{B35E7478-ADE7-4480-A214-01473DFE0029}" type="datetimeFigureOut">
               <a:rPr lang="zh-CN" altLang="en-US" smtClean="0"/>
               <a:pPr/>
-              <a:t>2017/12/19</a:t>
+              <a:t>2017/12/20</a:t>
             </a:fld>
             <a:endParaRPr lang="zh-CN" altLang="en-US"/>
           </a:p>
@@ -37807,7 +37823,7 @@
             <a:fld id="{B35E7478-ADE7-4480-A214-01473DFE0029}" type="datetimeFigureOut">
               <a:rPr lang="zh-CN" altLang="en-US" smtClean="0"/>
               <a:pPr/>
-              <a:t>2017/12/19</a:t>
+              <a:t>2017/12/20</a:t>
             </a:fld>
             <a:endParaRPr lang="zh-CN" altLang="en-US"/>
           </a:p>
@@ -38093,7 +38109,7 @@
             <a:fld id="{B35E7478-ADE7-4480-A214-01473DFE0029}" type="datetimeFigureOut">
               <a:rPr lang="zh-CN" altLang="en-US" smtClean="0"/>
               <a:pPr/>
-              <a:t>2017/12/19</a:t>
+              <a:t>2017/12/20</a:t>
             </a:fld>
             <a:endParaRPr lang="zh-CN" altLang="en-US"/>
           </a:p>
@@ -38348,7 +38364,7 @@
             <a:fld id="{B35E7478-ADE7-4480-A214-01473DFE0029}" type="datetimeFigureOut">
               <a:rPr lang="zh-CN" altLang="en-US" smtClean="0"/>
               <a:pPr/>
-              <a:t>2017/12/19</a:t>
+              <a:t>2017/12/20</a:t>
             </a:fld>
             <a:endParaRPr lang="zh-CN" altLang="en-US"/>
           </a:p>
@@ -38520,7 +38536,7 @@
             <a:fld id="{B35E7478-ADE7-4480-A214-01473DFE0029}" type="datetimeFigureOut">
               <a:rPr lang="zh-CN" altLang="en-US" smtClean="0"/>
               <a:pPr/>
-              <a:t>2017/12/19</a:t>
+              <a:t>2017/12/20</a:t>
             </a:fld>
             <a:endParaRPr lang="zh-CN" altLang="en-US"/>
           </a:p>
@@ -38747,7 +38763,7 @@
             <a:fld id="{B35E7478-ADE7-4480-A214-01473DFE0029}" type="datetimeFigureOut">
               <a:rPr lang="zh-CN" altLang="en-US" smtClean="0"/>
               <a:pPr/>
-              <a:t>2017/12/19</a:t>
+              <a:t>2017/12/20</a:t>
             </a:fld>
             <a:endParaRPr lang="zh-CN" altLang="en-US"/>
           </a:p>
@@ -39283,7 +39299,7 @@
                 </a:solidFill>
               </a:rPr>
               <a:pPr/>
-              <a:t>2017/12/19</a:t>
+              <a:t>2017/12/20</a:t>
             </a:fld>
             <a:endParaRPr lang="zh-CN" altLang="en-US">
               <a:solidFill>
@@ -39759,6 +39775,1883 @@
 </p:sld>
 </file>
 
+<file path=ppt/slides/slide10.xml><?xml version="1.0" encoding="utf-8"?>
+<p:sld xmlns:a="http://schemas.openxmlformats.org/drawingml/2006/main" xmlns:r="http://schemas.openxmlformats.org/officeDocument/2006/relationships" xmlns:p="http://schemas.openxmlformats.org/presentationml/2006/main">
+  <p:cSld>
+    <p:spTree>
+      <p:nvGrpSpPr>
+        <p:cNvPr id="1" name=""/>
+        <p:cNvGrpSpPr/>
+        <p:nvPr/>
+      </p:nvGrpSpPr>
+      <p:grpSpPr>
+        <a:xfrm>
+          <a:off x="0" y="0"/>
+          <a:ext cx="0" cy="0"/>
+          <a:chOff x="0" y="0"/>
+          <a:chExt cx="0" cy="0"/>
+        </a:xfrm>
+      </p:grpSpPr>
+      <p:sp>
+        <p:nvSpPr>
+          <p:cNvPr id="2" name="标题 1"/>
+          <p:cNvSpPr>
+            <a:spLocks noGrp="1"/>
+          </p:cNvSpPr>
+          <p:nvPr>
+            <p:ph type="title"/>
+          </p:nvPr>
+        </p:nvSpPr>
+        <p:spPr/>
+        <p:txBody>
+          <a:bodyPr>
+            <a:normAutofit fontScale="90000"/>
+          </a:bodyPr>
+          <a:lstStyle/>
+          <a:p>
+            <a:r>
+              <a:rPr lang="en-US" altLang="zh-CN" dirty="0"/>
+              <a:t>JSP</a:t>
+            </a:r>
+            <a:r>
+              <a:rPr lang="zh-CN" altLang="en-US" dirty="0"/>
+              <a:t>元素 </a:t>
+            </a:r>
+            <a:r>
+              <a:rPr lang="en-US" altLang="zh-CN" dirty="0" smtClean="0"/>
+              <a:t>– </a:t>
+            </a:r>
+            <a:r>
+              <a:rPr lang="zh-CN" altLang="en-US" dirty="0" smtClean="0"/>
+              <a:t>动作</a:t>
+            </a:r>
+            <a:endParaRPr lang="zh-CN" altLang="en-US" dirty="0"/>
+          </a:p>
+        </p:txBody>
+      </p:sp>
+      <p:sp>
+        <p:nvSpPr>
+          <p:cNvPr id="3" name="内容占位符 2"/>
+          <p:cNvSpPr>
+            <a:spLocks noGrp="1"/>
+          </p:cNvSpPr>
+          <p:nvPr>
+            <p:ph idx="1"/>
+          </p:nvPr>
+        </p:nvSpPr>
+        <p:spPr/>
+        <p:txBody>
+          <a:bodyPr/>
+          <a:lstStyle/>
+          <a:p>
+            <a:r>
+              <a:rPr lang="en-US" altLang="zh-CN" dirty="0" smtClean="0"/>
+              <a:t>&lt;</a:t>
+            </a:r>
+            <a:r>
+              <a:rPr lang="en-US" altLang="zh-CN" dirty="0" err="1" smtClean="0"/>
+              <a:t>jsp:include</a:t>
+            </a:r>
+            <a:r>
+              <a:rPr lang="en-US" altLang="zh-CN" dirty="0"/>
+              <a:t>&gt;</a:t>
+            </a:r>
+            <a:endParaRPr lang="en-US" altLang="zh-CN" dirty="0" smtClean="0"/>
+          </a:p>
+          <a:p>
+            <a:r>
+              <a:rPr lang="en-US" altLang="zh-CN" dirty="0" smtClean="0"/>
+              <a:t>&lt;</a:t>
+            </a:r>
+            <a:r>
+              <a:rPr lang="en-US" altLang="zh-CN" dirty="0" err="1" smtClean="0"/>
+              <a:t>jsp:useBean</a:t>
+            </a:r>
+            <a:r>
+              <a:rPr lang="en-US" altLang="zh-CN" dirty="0" smtClean="0"/>
+              <a:t>&gt;</a:t>
+            </a:r>
+          </a:p>
+          <a:p>
+            <a:r>
+              <a:rPr lang="en-US" altLang="zh-CN" dirty="0" smtClean="0"/>
+              <a:t>&lt;</a:t>
+            </a:r>
+            <a:r>
+              <a:rPr lang="en-US" altLang="zh-CN" dirty="0" err="1" smtClean="0"/>
+              <a:t>jsp:setProperty</a:t>
+            </a:r>
+            <a:r>
+              <a:rPr lang="en-US" altLang="zh-CN" dirty="0" smtClean="0"/>
+              <a:t>&gt;</a:t>
+            </a:r>
+          </a:p>
+          <a:p>
+            <a:r>
+              <a:rPr lang="en-US" altLang="zh-CN" dirty="0" smtClean="0"/>
+              <a:t>&lt;</a:t>
+            </a:r>
+            <a:r>
+              <a:rPr lang="en-US" altLang="zh-CN" dirty="0" err="1" smtClean="0"/>
+              <a:t>jsp:getProperty</a:t>
+            </a:r>
+            <a:r>
+              <a:rPr lang="en-US" altLang="zh-CN" dirty="0" smtClean="0"/>
+              <a:t>&gt;</a:t>
+            </a:r>
+          </a:p>
+          <a:p>
+            <a:r>
+              <a:rPr lang="en-US" altLang="zh-CN" dirty="0" smtClean="0"/>
+              <a:t>&lt;</a:t>
+            </a:r>
+            <a:r>
+              <a:rPr lang="en-US" altLang="zh-CN" dirty="0" err="1" smtClean="0"/>
+              <a:t>jsp:forward</a:t>
+            </a:r>
+            <a:r>
+              <a:rPr lang="en-US" altLang="zh-CN" dirty="0" smtClean="0"/>
+              <a:t>&gt;</a:t>
+            </a:r>
+            <a:endParaRPr lang="zh-CN" altLang="en-US" dirty="0"/>
+          </a:p>
+        </p:txBody>
+      </p:sp>
+    </p:spTree>
+    <p:extLst>
+      <p:ext uri="{BB962C8B-B14F-4D97-AF65-F5344CB8AC3E}">
+        <p14:creationId xmlns:p14="http://schemas.microsoft.com/office/powerpoint/2010/main" val="1294046608"/>
+      </p:ext>
+    </p:extLst>
+  </p:cSld>
+  <p:clrMapOvr>
+    <a:masterClrMapping/>
+  </p:clrMapOvr>
+  <p:timing>
+    <p:tnLst>
+      <p:par>
+        <p:cTn id="1" dur="indefinite" restart="never" nodeType="tmRoot"/>
+      </p:par>
+    </p:tnLst>
+  </p:timing>
+</p:sld>
+</file>
+
+<file path=ppt/slides/slide11.xml><?xml version="1.0" encoding="utf-8"?>
+<p:sld xmlns:a="http://schemas.openxmlformats.org/drawingml/2006/main" xmlns:r="http://schemas.openxmlformats.org/officeDocument/2006/relationships" xmlns:p="http://schemas.openxmlformats.org/presentationml/2006/main">
+  <p:cSld>
+    <p:spTree>
+      <p:nvGrpSpPr>
+        <p:cNvPr id="1" name=""/>
+        <p:cNvGrpSpPr/>
+        <p:nvPr/>
+      </p:nvGrpSpPr>
+      <p:grpSpPr>
+        <a:xfrm>
+          <a:off x="0" y="0"/>
+          <a:ext cx="0" cy="0"/>
+          <a:chOff x="0" y="0"/>
+          <a:chExt cx="0" cy="0"/>
+        </a:xfrm>
+      </p:grpSpPr>
+      <p:sp>
+        <p:nvSpPr>
+          <p:cNvPr id="2" name="标题 1"/>
+          <p:cNvSpPr>
+            <a:spLocks noGrp="1"/>
+          </p:cNvSpPr>
+          <p:nvPr>
+            <p:ph type="title"/>
+          </p:nvPr>
+        </p:nvSpPr>
+        <p:spPr/>
+        <p:txBody>
+          <a:bodyPr>
+            <a:normAutofit fontScale="90000"/>
+          </a:bodyPr>
+          <a:lstStyle/>
+          <a:p>
+            <a:r>
+              <a:rPr lang="en-US" altLang="zh-CN" dirty="0" smtClean="0"/>
+              <a:t>EL(</a:t>
+            </a:r>
+            <a:r>
+              <a:rPr lang="zh-CN" altLang="en-US" dirty="0" smtClean="0"/>
+              <a:t>表达式语言</a:t>
+            </a:r>
+            <a:r>
+              <a:rPr lang="en-US" altLang="zh-CN" dirty="0" smtClean="0"/>
+              <a:t>)</a:t>
+            </a:r>
+            <a:endParaRPr lang="zh-CN" altLang="en-US" dirty="0"/>
+          </a:p>
+        </p:txBody>
+      </p:sp>
+      <p:sp>
+        <p:nvSpPr>
+          <p:cNvPr id="3" name="内容占位符 2"/>
+          <p:cNvSpPr>
+            <a:spLocks noGrp="1"/>
+          </p:cNvSpPr>
+          <p:nvPr>
+            <p:ph idx="1"/>
+          </p:nvPr>
+        </p:nvSpPr>
+        <p:spPr/>
+        <p:txBody>
+          <a:bodyPr>
+            <a:normAutofit lnSpcReduction="10000"/>
+          </a:bodyPr>
+          <a:lstStyle/>
+          <a:p>
+            <a:r>
+              <a:rPr lang="en-US" altLang="zh-CN" dirty="0" smtClean="0"/>
+              <a:t>${</a:t>
+            </a:r>
+            <a:r>
+              <a:rPr lang="zh-CN" altLang="en-US" dirty="0" smtClean="0"/>
+              <a:t>表达式</a:t>
+            </a:r>
+            <a:r>
+              <a:rPr lang="en-US" altLang="zh-CN" dirty="0" smtClean="0"/>
+              <a:t>}</a:t>
+            </a:r>
+          </a:p>
+          <a:p>
+            <a:pPr marL="0" indent="0">
+              <a:buNone/>
+            </a:pPr>
+            <a:r>
+              <a:rPr lang="en-US" altLang="zh-CN" sz="2400" dirty="0" smtClean="0"/>
+              <a:t>&lt;p&gt;</a:t>
+            </a:r>
+            <a:endParaRPr lang="en-US" altLang="zh-CN" sz="2400" dirty="0"/>
+          </a:p>
+          <a:p>
+            <a:pPr marL="0" indent="0">
+              <a:buNone/>
+            </a:pPr>
+            <a:r>
+              <a:rPr lang="en-US" altLang="zh-CN" sz="2400" dirty="0"/>
+              <a:t>Box Perimeter is: ${2*</a:t>
+            </a:r>
+            <a:r>
+              <a:rPr lang="en-US" altLang="zh-CN" sz="2400" dirty="0" err="1"/>
+              <a:t>box.width</a:t>
+            </a:r>
+            <a:r>
+              <a:rPr lang="en-US" altLang="zh-CN" sz="2400" dirty="0"/>
+              <a:t> + 2*</a:t>
+            </a:r>
+            <a:r>
+              <a:rPr lang="en-US" altLang="zh-CN" sz="2400" dirty="0" err="1"/>
+              <a:t>box.height</a:t>
+            </a:r>
+            <a:r>
+              <a:rPr lang="en-US" altLang="zh-CN" sz="2400" dirty="0" smtClean="0"/>
+              <a:t>}</a:t>
+            </a:r>
+          </a:p>
+          <a:p>
+            <a:pPr marL="0" indent="0">
+              <a:buNone/>
+            </a:pPr>
+            <a:r>
+              <a:rPr lang="en-US" altLang="zh-CN" sz="2400" dirty="0" smtClean="0"/>
+              <a:t>&lt;/p&gt;</a:t>
+            </a:r>
+          </a:p>
+          <a:p>
+            <a:pPr marL="0" indent="0">
+              <a:buNone/>
+            </a:pPr>
+            <a:endParaRPr lang="en-US" altLang="zh-CN" sz="2400" dirty="0"/>
+          </a:p>
+          <a:p>
+            <a:r>
+              <a:rPr lang="en-US" altLang="zh-CN" sz="2400" dirty="0" smtClean="0"/>
+              <a:t>JavaBean </a:t>
+            </a:r>
+          </a:p>
+          <a:p>
+            <a:pPr lvl="1"/>
+            <a:r>
+              <a:rPr lang="en-US" altLang="zh-CN" sz="2000" dirty="0" err="1" smtClean="0"/>
+              <a:t>beanName.property</a:t>
+            </a:r>
+            <a:endParaRPr lang="en-US" altLang="zh-CN" sz="2000" dirty="0" smtClean="0"/>
+          </a:p>
+          <a:p>
+            <a:pPr lvl="1"/>
+            <a:r>
+              <a:rPr lang="en-US" altLang="zh-CN" sz="2000" dirty="0"/>
+              <a:t>{</a:t>
+            </a:r>
+            <a:r>
+              <a:rPr lang="en-US" altLang="zh-CN" sz="2000" dirty="0" err="1"/>
+              <a:t>beanName</a:t>
+            </a:r>
+            <a:r>
+              <a:rPr lang="en-US" altLang="zh-CN" sz="2000" dirty="0"/>
+              <a:t>["property</a:t>
+            </a:r>
+            <a:r>
+              <a:rPr lang="en-US" altLang="zh-CN" sz="2000" dirty="0" smtClean="0"/>
+              <a:t>"]}</a:t>
+            </a:r>
+          </a:p>
+          <a:p>
+            <a:pPr marL="0" indent="0">
+              <a:buNone/>
+            </a:pPr>
+            <a:r>
+              <a:rPr lang="en-US" altLang="zh-CN" sz="2400" dirty="0" smtClean="0"/>
+              <a:t>&lt;p&gt;</a:t>
+            </a:r>
+          </a:p>
+          <a:p>
+            <a:pPr marL="0" indent="0">
+              <a:buNone/>
+            </a:pPr>
+            <a:r>
+              <a:rPr lang="en-US" altLang="zh-CN" sz="2400" dirty="0" smtClean="0"/>
+              <a:t> City: ${</a:t>
+            </a:r>
+            <a:r>
+              <a:rPr lang="en-US" altLang="zh-CN" sz="2400" dirty="0" err="1"/>
+              <a:t>employee.address.city</a:t>
+            </a:r>
+            <a:r>
+              <a:rPr lang="en-US" altLang="zh-CN" sz="2400" dirty="0" smtClean="0"/>
+              <a:t>}</a:t>
+            </a:r>
+          </a:p>
+          <a:p>
+            <a:pPr marL="0" indent="0">
+              <a:buNone/>
+            </a:pPr>
+            <a:r>
+              <a:rPr lang="en-US" altLang="zh-CN" sz="2400" dirty="0" smtClean="0"/>
+              <a:t>&lt;/p&gt;</a:t>
+            </a:r>
+            <a:endParaRPr lang="zh-CN" altLang="en-US" sz="2400" dirty="0"/>
+          </a:p>
+        </p:txBody>
+      </p:sp>
+    </p:spTree>
+    <p:extLst>
+      <p:ext uri="{BB962C8B-B14F-4D97-AF65-F5344CB8AC3E}">
+        <p14:creationId xmlns:p14="http://schemas.microsoft.com/office/powerpoint/2010/main" val="4184900682"/>
+      </p:ext>
+    </p:extLst>
+  </p:cSld>
+  <p:clrMapOvr>
+    <a:masterClrMapping/>
+  </p:clrMapOvr>
+  <p:timing>
+    <p:tnLst>
+      <p:par>
+        <p:cTn id="1" dur="indefinite" restart="never" nodeType="tmRoot"/>
+      </p:par>
+    </p:tnLst>
+  </p:timing>
+</p:sld>
+</file>
+
+<file path=ppt/slides/slide12.xml><?xml version="1.0" encoding="utf-8"?>
+<p:sld xmlns:a="http://schemas.openxmlformats.org/drawingml/2006/main" xmlns:r="http://schemas.openxmlformats.org/officeDocument/2006/relationships" xmlns:p="http://schemas.openxmlformats.org/presentationml/2006/main">
+  <p:cSld>
+    <p:spTree>
+      <p:nvGrpSpPr>
+        <p:cNvPr id="1" name=""/>
+        <p:cNvGrpSpPr/>
+        <p:nvPr/>
+      </p:nvGrpSpPr>
+      <p:grpSpPr>
+        <a:xfrm>
+          <a:off x="0" y="0"/>
+          <a:ext cx="0" cy="0"/>
+          <a:chOff x="0" y="0"/>
+          <a:chExt cx="0" cy="0"/>
+        </a:xfrm>
+      </p:grpSpPr>
+      <p:sp>
+        <p:nvSpPr>
+          <p:cNvPr id="2" name="标题 1"/>
+          <p:cNvSpPr>
+            <a:spLocks noGrp="1"/>
+          </p:cNvSpPr>
+          <p:nvPr>
+            <p:ph type="title"/>
+          </p:nvPr>
+        </p:nvSpPr>
+        <p:spPr/>
+        <p:txBody>
+          <a:bodyPr>
+            <a:normAutofit fontScale="90000"/>
+          </a:bodyPr>
+          <a:lstStyle/>
+          <a:p>
+            <a:r>
+              <a:rPr lang="en-US" altLang="zh-CN" dirty="0" smtClean="0"/>
+              <a:t>EL</a:t>
+            </a:r>
+            <a:r>
+              <a:rPr lang="zh-CN" altLang="en-US" dirty="0" smtClean="0"/>
+              <a:t>隐</a:t>
+            </a:r>
+            <a:r>
+              <a:rPr lang="zh-CN" altLang="en-US" dirty="0"/>
+              <a:t>含</a:t>
+            </a:r>
+            <a:r>
+              <a:rPr lang="zh-CN" altLang="en-US" dirty="0" smtClean="0"/>
+              <a:t>对象</a:t>
+            </a:r>
+            <a:endParaRPr lang="zh-CN" altLang="en-US" dirty="0"/>
+          </a:p>
+        </p:txBody>
+      </p:sp>
+      <p:sp>
+        <p:nvSpPr>
+          <p:cNvPr id="3" name="内容占位符 2"/>
+          <p:cNvSpPr>
+            <a:spLocks noGrp="1"/>
+          </p:cNvSpPr>
+          <p:nvPr>
+            <p:ph idx="1"/>
+          </p:nvPr>
+        </p:nvSpPr>
+        <p:spPr/>
+        <p:txBody>
+          <a:bodyPr>
+            <a:normAutofit fontScale="85000" lnSpcReduction="10000"/>
+          </a:bodyPr>
+          <a:lstStyle/>
+          <a:p>
+            <a:r>
+              <a:rPr lang="en-US" altLang="zh-CN" dirty="0" err="1"/>
+              <a:t>pageContext</a:t>
+            </a:r>
+            <a:r>
+              <a:rPr lang="en-US" altLang="zh-CN" dirty="0"/>
+              <a:t>: </a:t>
+            </a:r>
+            <a:r>
+              <a:rPr lang="en-US" altLang="zh-CN" dirty="0" err="1" smtClean="0"/>
+              <a:t>pageContext.request.queryString</a:t>
+            </a:r>
+            <a:endParaRPr lang="en-US" altLang="zh-CN" dirty="0" smtClean="0"/>
+          </a:p>
+          <a:p>
+            <a:r>
+              <a:rPr lang="en-US" altLang="zh-CN" dirty="0" smtClean="0"/>
+              <a:t>Scope</a:t>
+            </a:r>
+            <a:r>
+              <a:rPr lang="zh-CN" altLang="en-US" dirty="0" smtClean="0"/>
+              <a:t>对象</a:t>
+            </a:r>
+            <a:endParaRPr lang="en-US" altLang="zh-CN" dirty="0"/>
+          </a:p>
+          <a:p>
+            <a:pPr lvl="1"/>
+            <a:r>
+              <a:rPr lang="en-US" altLang="zh-CN" dirty="0" err="1"/>
+              <a:t>requestScope</a:t>
+            </a:r>
+            <a:r>
+              <a:rPr lang="en-US" altLang="zh-CN" dirty="0"/>
+              <a:t>: </a:t>
+            </a:r>
+            <a:r>
+              <a:rPr lang="en-US" altLang="zh-CN" dirty="0" err="1"/>
+              <a:t>requestScope.attributeName</a:t>
+            </a:r>
+            <a:endParaRPr lang="en-US" altLang="zh-CN" dirty="0"/>
+          </a:p>
+          <a:p>
+            <a:pPr lvl="1"/>
+            <a:r>
+              <a:rPr lang="en-US" altLang="zh-CN" dirty="0" err="1"/>
+              <a:t>sessionScope</a:t>
+            </a:r>
+            <a:r>
+              <a:rPr lang="zh-CN" altLang="en-US" dirty="0"/>
+              <a:t>： </a:t>
+            </a:r>
+            <a:r>
+              <a:rPr lang="en-US" altLang="zh-CN" dirty="0" err="1"/>
+              <a:t>sessionScope.attributeName</a:t>
+            </a:r>
+            <a:endParaRPr lang="en-US" altLang="zh-CN" dirty="0"/>
+          </a:p>
+          <a:p>
+            <a:pPr lvl="1"/>
+            <a:r>
+              <a:rPr lang="en-US" altLang="zh-CN" dirty="0" err="1"/>
+              <a:t>applicationScope</a:t>
+            </a:r>
+            <a:r>
+              <a:rPr lang="en-US" altLang="zh-CN" dirty="0"/>
+              <a:t> </a:t>
+            </a:r>
+            <a:r>
+              <a:rPr lang="en-US" altLang="zh-CN" dirty="0" err="1"/>
+              <a:t>applicationScope.attributeName</a:t>
+            </a:r>
+            <a:endParaRPr lang="en-US" altLang="zh-CN" dirty="0"/>
+          </a:p>
+          <a:p>
+            <a:r>
+              <a:rPr lang="en-US" altLang="zh-CN" dirty="0" err="1"/>
+              <a:t>param</a:t>
+            </a:r>
+            <a:r>
+              <a:rPr lang="en-US" altLang="zh-CN" dirty="0"/>
+              <a:t> - </a:t>
+            </a:r>
+            <a:r>
+              <a:rPr lang="en-US" altLang="zh-CN" dirty="0" err="1"/>
+              <a:t>param</a:t>
+            </a:r>
+            <a:r>
+              <a:rPr lang="en-US" altLang="zh-CN" dirty="0" smtClean="0"/>
+              <a:t>["</a:t>
+            </a:r>
+            <a:r>
+              <a:rPr lang="en-US" altLang="zh-CN" dirty="0"/>
+              <a:t>username</a:t>
+            </a:r>
+            <a:r>
+              <a:rPr lang="en-US" altLang="zh-CN" dirty="0" smtClean="0"/>
+              <a:t>"]</a:t>
+            </a:r>
+            <a:endParaRPr lang="en-US" altLang="zh-CN" dirty="0"/>
+          </a:p>
+          <a:p>
+            <a:r>
+              <a:rPr lang="en-US" altLang="zh-CN" dirty="0" smtClean="0"/>
+              <a:t>header</a:t>
+            </a:r>
+            <a:r>
+              <a:rPr lang="en-US" altLang="zh-CN" dirty="0"/>
+              <a:t>: header["Content-Type"]</a:t>
+            </a:r>
+          </a:p>
+          <a:p>
+            <a:r>
+              <a:rPr lang="en-US" altLang="zh-CN" dirty="0"/>
+              <a:t>cookie: cookie["</a:t>
+            </a:r>
+            <a:r>
+              <a:rPr lang="en-US" altLang="zh-CN" dirty="0" err="1"/>
+              <a:t>jsessionid</a:t>
+            </a:r>
+            <a:r>
+              <a:rPr lang="en-US" altLang="zh-CN" dirty="0"/>
+              <a:t>"]</a:t>
+            </a:r>
+          </a:p>
+          <a:p>
+            <a:r>
+              <a:rPr lang="en-US" altLang="zh-CN" dirty="0" err="1"/>
+              <a:t>pageContext</a:t>
+            </a:r>
+            <a:r>
+              <a:rPr lang="en-US" altLang="zh-CN" dirty="0"/>
+              <a:t>: </a:t>
+            </a:r>
+            <a:r>
+              <a:rPr lang="en-US" altLang="zh-CN" dirty="0" err="1"/>
+              <a:t>pageContext.attributeName</a:t>
+            </a:r>
+            <a:endParaRPr lang="en-US" altLang="zh-CN" dirty="0"/>
+          </a:p>
+          <a:p>
+            <a:endParaRPr lang="zh-CN" altLang="en-US" dirty="0"/>
+          </a:p>
+        </p:txBody>
+      </p:sp>
+    </p:spTree>
+    <p:extLst>
+      <p:ext uri="{BB962C8B-B14F-4D97-AF65-F5344CB8AC3E}">
+        <p14:creationId xmlns:p14="http://schemas.microsoft.com/office/powerpoint/2010/main" val="3425446237"/>
+      </p:ext>
+    </p:extLst>
+  </p:cSld>
+  <p:clrMapOvr>
+    <a:masterClrMapping/>
+  </p:clrMapOvr>
+  <p:timing>
+    <p:tnLst>
+      <p:par>
+        <p:cTn id="1" dur="indefinite" restart="never" nodeType="tmRoot"/>
+      </p:par>
+    </p:tnLst>
+  </p:timing>
+</p:sld>
+</file>
+
+<file path=ppt/slides/slide13.xml><?xml version="1.0" encoding="utf-8"?>
+<p:sld xmlns:a="http://schemas.openxmlformats.org/drawingml/2006/main" xmlns:r="http://schemas.openxmlformats.org/officeDocument/2006/relationships" xmlns:p="http://schemas.openxmlformats.org/presentationml/2006/main">
+  <p:cSld>
+    <p:spTree>
+      <p:nvGrpSpPr>
+        <p:cNvPr id="1" name=""/>
+        <p:cNvGrpSpPr/>
+        <p:nvPr/>
+      </p:nvGrpSpPr>
+      <p:grpSpPr>
+        <a:xfrm>
+          <a:off x="0" y="0"/>
+          <a:ext cx="0" cy="0"/>
+          <a:chOff x="0" y="0"/>
+          <a:chExt cx="0" cy="0"/>
+        </a:xfrm>
+      </p:grpSpPr>
+      <p:sp>
+        <p:nvSpPr>
+          <p:cNvPr id="2" name="标题 1"/>
+          <p:cNvSpPr>
+            <a:spLocks noGrp="1"/>
+          </p:cNvSpPr>
+          <p:nvPr>
+            <p:ph type="title"/>
+          </p:nvPr>
+        </p:nvSpPr>
+        <p:spPr/>
+        <p:txBody>
+          <a:bodyPr>
+            <a:normAutofit fontScale="90000"/>
+          </a:bodyPr>
+          <a:lstStyle/>
+          <a:p>
+            <a:r>
+              <a:rPr lang="zh-CN" altLang="en-US" dirty="0" smtClean="0"/>
+              <a:t>定制标签</a:t>
+            </a:r>
+            <a:endParaRPr lang="zh-CN" altLang="en-US" dirty="0"/>
+          </a:p>
+        </p:txBody>
+      </p:sp>
+      <p:sp>
+        <p:nvSpPr>
+          <p:cNvPr id="3" name="内容占位符 2"/>
+          <p:cNvSpPr>
+            <a:spLocks noGrp="1"/>
+          </p:cNvSpPr>
+          <p:nvPr>
+            <p:ph idx="1"/>
+          </p:nvPr>
+        </p:nvSpPr>
+        <p:spPr>
+          <a:xfrm>
+            <a:off x="0" y="1600200"/>
+            <a:ext cx="8686800" cy="4525963"/>
+          </a:xfrm>
+        </p:spPr>
+        <p:txBody>
+          <a:bodyPr>
+            <a:normAutofit fontScale="92500" lnSpcReduction="10000"/>
+          </a:bodyPr>
+          <a:lstStyle/>
+          <a:p>
+            <a:r>
+              <a:rPr lang="en-US" altLang="zh-CN" dirty="0" err="1" smtClean="0"/>
+              <a:t>javax.servlet.jsp.tagext.SimpleTagSupport</a:t>
+            </a:r>
+            <a:endParaRPr lang="en-US" altLang="zh-CN" dirty="0" smtClean="0"/>
+          </a:p>
+          <a:p>
+            <a:pPr lvl="1"/>
+            <a:r>
+              <a:rPr lang="en-US" altLang="zh-CN" dirty="0" err="1"/>
+              <a:t>doTag</a:t>
+            </a:r>
+            <a:r>
+              <a:rPr lang="en-US" altLang="zh-CN" dirty="0"/>
+              <a:t>() </a:t>
+            </a:r>
+            <a:endParaRPr lang="en-US" altLang="zh-CN" dirty="0" smtClean="0"/>
+          </a:p>
+          <a:p>
+            <a:pPr lvl="1"/>
+            <a:r>
+              <a:rPr lang="en-US" altLang="zh-CN" dirty="0" smtClean="0"/>
+              <a:t>setter/getter (</a:t>
+            </a:r>
+            <a:r>
+              <a:rPr lang="zh-CN" altLang="en-US" dirty="0" smtClean="0"/>
+              <a:t>标签含有属性时</a:t>
+            </a:r>
+            <a:r>
+              <a:rPr lang="en-US" altLang="zh-CN" dirty="0" smtClean="0"/>
+              <a:t>)</a:t>
+            </a:r>
+          </a:p>
+          <a:p>
+            <a:r>
+              <a:rPr lang="zh-CN" altLang="en-US" dirty="0" smtClean="0"/>
+              <a:t>在</a:t>
+            </a:r>
+            <a:r>
+              <a:rPr lang="en-US" altLang="zh-CN" dirty="0" smtClean="0"/>
+              <a:t>JSP</a:t>
+            </a:r>
+            <a:r>
+              <a:rPr lang="zh-CN" altLang="en-US" dirty="0" smtClean="0"/>
+              <a:t>中引用标签</a:t>
+            </a:r>
+            <a:endParaRPr lang="en-US" altLang="zh-CN" dirty="0" smtClean="0"/>
+          </a:p>
+          <a:p>
+            <a:pPr marL="0" indent="0">
+              <a:buNone/>
+            </a:pPr>
+            <a:r>
+              <a:rPr lang="en-US" altLang="zh-CN" dirty="0"/>
+              <a:t>&lt;%@ </a:t>
+            </a:r>
+            <a:r>
+              <a:rPr lang="en-US" altLang="zh-CN" dirty="0" err="1"/>
+              <a:t>taglib</a:t>
+            </a:r>
+            <a:r>
+              <a:rPr lang="en-US" altLang="zh-CN" dirty="0"/>
+              <a:t> </a:t>
+            </a:r>
+            <a:r>
+              <a:rPr lang="en-US" altLang="zh-CN" dirty="0" err="1"/>
+              <a:t>uri</a:t>
+            </a:r>
+            <a:r>
+              <a:rPr lang="en-US" altLang="zh-CN" dirty="0"/>
+              <a:t>="/WEB-INF/</a:t>
+            </a:r>
+            <a:r>
+              <a:rPr lang="en-US" altLang="zh-CN" dirty="0" err="1"/>
+              <a:t>mytags.tld</a:t>
+            </a:r>
+            <a:r>
+              <a:rPr lang="en-US" altLang="zh-CN" dirty="0"/>
+              <a:t>" prefix="easy</a:t>
+            </a:r>
+            <a:r>
+              <a:rPr lang="en-US" altLang="zh-CN" dirty="0" smtClean="0"/>
+              <a:t>"%&gt;</a:t>
+            </a:r>
+            <a:endParaRPr lang="en-US" altLang="zh-CN" dirty="0"/>
+          </a:p>
+          <a:p>
+            <a:pPr marL="0" indent="0">
+              <a:buNone/>
+            </a:pPr>
+            <a:r>
+              <a:rPr lang="en-US" altLang="zh-CN" dirty="0"/>
+              <a:t>&lt;</a:t>
+            </a:r>
+            <a:r>
+              <a:rPr lang="en-US" altLang="zh-CN" dirty="0" err="1"/>
+              <a:t>easy:dataFormatter</a:t>
+            </a:r>
+            <a:r>
+              <a:rPr lang="en-US" altLang="zh-CN" dirty="0"/>
+              <a:t> header="States" </a:t>
+            </a:r>
+          </a:p>
+          <a:p>
+            <a:pPr marL="0" indent="0">
+              <a:buNone/>
+            </a:pPr>
+            <a:r>
+              <a:rPr lang="en-US" altLang="zh-CN" dirty="0"/>
+              <a:t>    items="</a:t>
+            </a:r>
+            <a:r>
+              <a:rPr lang="en-US" altLang="zh-CN" dirty="0" err="1"/>
+              <a:t>Alabama,Alaska,Georgia,Florida</a:t>
+            </a:r>
+            <a:r>
+              <a:rPr lang="en-US" altLang="zh-CN" dirty="0"/>
+              <a:t>"</a:t>
+            </a:r>
+          </a:p>
+          <a:p>
+            <a:pPr marL="0" indent="0">
+              <a:buNone/>
+            </a:pPr>
+            <a:r>
+              <a:rPr lang="en-US" altLang="zh-CN" dirty="0"/>
+              <a:t>/&gt;</a:t>
+            </a:r>
+            <a:endParaRPr lang="en-US" altLang="zh-CN" dirty="0" smtClean="0"/>
+          </a:p>
+        </p:txBody>
+      </p:sp>
+    </p:spTree>
+    <p:extLst>
+      <p:ext uri="{BB962C8B-B14F-4D97-AF65-F5344CB8AC3E}">
+        <p14:creationId xmlns:p14="http://schemas.microsoft.com/office/powerpoint/2010/main" val="1618430728"/>
+      </p:ext>
+    </p:extLst>
+  </p:cSld>
+  <p:clrMapOvr>
+    <a:masterClrMapping/>
+  </p:clrMapOvr>
+  <p:timing>
+    <p:tnLst>
+      <p:par>
+        <p:cTn id="1" dur="indefinite" restart="never" nodeType="tmRoot"/>
+      </p:par>
+    </p:tnLst>
+  </p:timing>
+</p:sld>
+</file>
+
+<file path=ppt/slides/slide14.xml><?xml version="1.0" encoding="utf-8"?>
+<p:sld xmlns:a="http://schemas.openxmlformats.org/drawingml/2006/main" xmlns:r="http://schemas.openxmlformats.org/officeDocument/2006/relationships" xmlns:p="http://schemas.openxmlformats.org/presentationml/2006/main">
+  <p:cSld>
+    <p:spTree>
+      <p:nvGrpSpPr>
+        <p:cNvPr id="1" name=""/>
+        <p:cNvGrpSpPr/>
+        <p:nvPr/>
+      </p:nvGrpSpPr>
+      <p:grpSpPr>
+        <a:xfrm>
+          <a:off x="0" y="0"/>
+          <a:ext cx="0" cy="0"/>
+          <a:chOff x="0" y="0"/>
+          <a:chExt cx="0" cy="0"/>
+        </a:xfrm>
+      </p:grpSpPr>
+      <p:sp>
+        <p:nvSpPr>
+          <p:cNvPr id="2" name="标题 1"/>
+          <p:cNvSpPr>
+            <a:spLocks noGrp="1"/>
+          </p:cNvSpPr>
+          <p:nvPr>
+            <p:ph type="title"/>
+          </p:nvPr>
+        </p:nvSpPr>
+        <p:spPr/>
+        <p:txBody>
+          <a:bodyPr>
+            <a:normAutofit fontScale="90000"/>
+          </a:bodyPr>
+          <a:lstStyle/>
+          <a:p>
+            <a:r>
+              <a:rPr lang="zh-CN" altLang="en-US" dirty="0" smtClean="0"/>
+              <a:t>标签文件</a:t>
+            </a:r>
+            <a:endParaRPr lang="zh-CN" altLang="en-US" dirty="0"/>
+          </a:p>
+        </p:txBody>
+      </p:sp>
+      <p:sp>
+        <p:nvSpPr>
+          <p:cNvPr id="3" name="内容占位符 2"/>
+          <p:cNvSpPr>
+            <a:spLocks noGrp="1"/>
+          </p:cNvSpPr>
+          <p:nvPr>
+            <p:ph idx="1"/>
+          </p:nvPr>
+        </p:nvSpPr>
+        <p:spPr>
+          <a:xfrm>
+            <a:off x="251520" y="908720"/>
+            <a:ext cx="8435280" cy="5217443"/>
+          </a:xfrm>
+        </p:spPr>
+        <p:txBody>
+          <a:bodyPr>
+            <a:normAutofit fontScale="55000" lnSpcReduction="20000"/>
+          </a:bodyPr>
+          <a:lstStyle/>
+          <a:p>
+            <a:pPr marL="0" indent="0">
+              <a:buNone/>
+            </a:pPr>
+            <a:r>
+              <a:rPr lang="en-US" altLang="zh-CN" dirty="0"/>
+              <a:t>&lt;</a:t>
+            </a:r>
+            <a:r>
+              <a:rPr lang="en-US" altLang="zh-CN" dirty="0" err="1"/>
+              <a:t>taglib</a:t>
+            </a:r>
+            <a:r>
+              <a:rPr lang="en-US" altLang="zh-CN" dirty="0"/>
+              <a:t>&gt;</a:t>
+            </a:r>
+          </a:p>
+          <a:p>
+            <a:pPr marL="0" indent="0">
+              <a:buNone/>
+            </a:pPr>
+            <a:r>
+              <a:rPr lang="en-US" altLang="zh-CN" dirty="0"/>
+              <a:t>   &lt;</a:t>
+            </a:r>
+            <a:r>
+              <a:rPr lang="en-US" altLang="zh-CN" dirty="0" err="1"/>
+              <a:t>tlib</a:t>
+            </a:r>
+            <a:r>
+              <a:rPr lang="en-US" altLang="zh-CN" dirty="0"/>
+              <a:t>-version&gt;1.0&lt;/</a:t>
+            </a:r>
+            <a:r>
+              <a:rPr lang="en-US" altLang="zh-CN" dirty="0" err="1"/>
+              <a:t>tlib</a:t>
+            </a:r>
+            <a:r>
+              <a:rPr lang="en-US" altLang="zh-CN" dirty="0"/>
+              <a:t>-version&gt;</a:t>
+            </a:r>
+          </a:p>
+          <a:p>
+            <a:pPr marL="0" indent="0">
+              <a:buNone/>
+            </a:pPr>
+            <a:r>
+              <a:rPr lang="en-US" altLang="zh-CN" dirty="0"/>
+              <a:t>   &lt;</a:t>
+            </a:r>
+            <a:r>
+              <a:rPr lang="en-US" altLang="zh-CN" dirty="0" err="1"/>
+              <a:t>jsp</a:t>
+            </a:r>
+            <a:r>
+              <a:rPr lang="en-US" altLang="zh-CN" dirty="0"/>
+              <a:t>-version&gt;2.0&lt;/</a:t>
+            </a:r>
+            <a:r>
+              <a:rPr lang="en-US" altLang="zh-CN" dirty="0" err="1"/>
+              <a:t>jsp</a:t>
+            </a:r>
+            <a:r>
+              <a:rPr lang="en-US" altLang="zh-CN" dirty="0"/>
+              <a:t>-version&gt;</a:t>
+            </a:r>
+          </a:p>
+          <a:p>
+            <a:pPr marL="0" indent="0">
+              <a:buNone/>
+            </a:pPr>
+            <a:r>
+              <a:rPr lang="en-US" altLang="zh-CN" dirty="0"/>
+              <a:t>   &lt;short-name&gt;Example TLD with Body&lt;/short-name&gt;</a:t>
+            </a:r>
+          </a:p>
+          <a:p>
+            <a:pPr marL="0" indent="0">
+              <a:buNone/>
+            </a:pPr>
+            <a:r>
+              <a:rPr lang="en-US" altLang="zh-CN" dirty="0"/>
+              <a:t>   </a:t>
+            </a:r>
+          </a:p>
+          <a:p>
+            <a:pPr marL="0" indent="0">
+              <a:buNone/>
+            </a:pPr>
+            <a:r>
+              <a:rPr lang="en-US" altLang="zh-CN" dirty="0"/>
+              <a:t>   &lt;tag&gt;</a:t>
+            </a:r>
+          </a:p>
+          <a:p>
+            <a:pPr marL="0" indent="0">
+              <a:buNone/>
+            </a:pPr>
+            <a:r>
+              <a:rPr lang="en-US" altLang="zh-CN" dirty="0"/>
+              <a:t>      &lt;name&gt;Hello&lt;/name&gt;</a:t>
+            </a:r>
+          </a:p>
+          <a:p>
+            <a:pPr marL="0" indent="0">
+              <a:buNone/>
+            </a:pPr>
+            <a:r>
+              <a:rPr lang="en-US" altLang="zh-CN" dirty="0"/>
+              <a:t>      &lt;tag-class&gt;</a:t>
+            </a:r>
+            <a:r>
+              <a:rPr lang="en-US" altLang="zh-CN" dirty="0" err="1"/>
+              <a:t>customtag.DataFormatterTag</a:t>
+            </a:r>
+            <a:r>
+              <a:rPr lang="en-US" altLang="zh-CN" dirty="0"/>
+              <a:t>&lt;/tag-class&gt;</a:t>
+            </a:r>
+          </a:p>
+          <a:p>
+            <a:pPr marL="0" indent="0">
+              <a:buNone/>
+            </a:pPr>
+            <a:r>
+              <a:rPr lang="en-US" altLang="zh-CN" dirty="0"/>
+              <a:t>      &lt;body-content&gt;</a:t>
+            </a:r>
+            <a:r>
+              <a:rPr lang="en-US" altLang="zh-CN" dirty="0" err="1"/>
+              <a:t>scriptless</a:t>
+            </a:r>
+            <a:r>
+              <a:rPr lang="en-US" altLang="zh-CN" dirty="0"/>
+              <a:t>&lt;/body-content&gt;</a:t>
+            </a:r>
+          </a:p>
+          <a:p>
+            <a:pPr marL="0" indent="0">
+              <a:buNone/>
+            </a:pPr>
+            <a:r>
+              <a:rPr lang="en-US" altLang="zh-CN" dirty="0"/>
+              <a:t> &lt;attribute&gt;</a:t>
+            </a:r>
+          </a:p>
+          <a:p>
+            <a:pPr marL="0" indent="0">
+              <a:buNone/>
+            </a:pPr>
+            <a:r>
+              <a:rPr lang="en-US" altLang="zh-CN" dirty="0"/>
+              <a:t>            &lt;name&gt;header&lt;/name&gt;</a:t>
+            </a:r>
+          </a:p>
+          <a:p>
+            <a:pPr marL="0" indent="0">
+              <a:buNone/>
+            </a:pPr>
+            <a:r>
+              <a:rPr lang="en-US" altLang="zh-CN" dirty="0"/>
+              <a:t>            &lt;required&gt;true&lt;/required&gt;</a:t>
+            </a:r>
+          </a:p>
+          <a:p>
+            <a:pPr marL="0" indent="0">
+              <a:buNone/>
+            </a:pPr>
+            <a:r>
+              <a:rPr lang="en-US" altLang="zh-CN" dirty="0"/>
+              <a:t>        &lt;/attribute&gt;</a:t>
+            </a:r>
+          </a:p>
+          <a:p>
+            <a:pPr marL="0" indent="0">
+              <a:buNone/>
+            </a:pPr>
+            <a:r>
+              <a:rPr lang="en-US" altLang="zh-CN" dirty="0"/>
+              <a:t>   &lt;/tag&gt;</a:t>
+            </a:r>
+          </a:p>
+          <a:p>
+            <a:pPr marL="0" indent="0">
+              <a:buNone/>
+            </a:pPr>
+            <a:r>
+              <a:rPr lang="en-US" altLang="zh-CN" dirty="0"/>
+              <a:t>&lt;/</a:t>
+            </a:r>
+            <a:r>
+              <a:rPr lang="en-US" altLang="zh-CN" dirty="0" err="1"/>
+              <a:t>taglib</a:t>
+            </a:r>
+            <a:r>
+              <a:rPr lang="en-US" altLang="zh-CN" dirty="0"/>
+              <a:t>&gt;</a:t>
+            </a:r>
+          </a:p>
+          <a:p>
+            <a:pPr marL="0" indent="0">
+              <a:buNone/>
+            </a:pPr>
+            <a:endParaRPr lang="en-US" altLang="zh-CN" dirty="0" smtClean="0"/>
+          </a:p>
+          <a:p>
+            <a:r>
+              <a:rPr lang="en-US" altLang="zh-CN" sz="3800" dirty="0" smtClean="0"/>
+              <a:t>body-content</a:t>
+            </a:r>
+            <a:r>
+              <a:rPr lang="en-US" altLang="zh-CN" dirty="0" smtClean="0"/>
+              <a:t>: </a:t>
+            </a:r>
+          </a:p>
+          <a:p>
+            <a:pPr marL="0" indent="0">
+              <a:buNone/>
+            </a:pPr>
+            <a:r>
+              <a:rPr lang="en-US" altLang="zh-CN" b="1" i="1" dirty="0" smtClean="0"/>
+              <a:t>     </a:t>
+            </a:r>
+            <a:r>
+              <a:rPr lang="en-US" altLang="zh-CN" b="1" i="1" dirty="0" err="1" smtClean="0"/>
+              <a:t>empty|scriptless|tagdependent</a:t>
+            </a:r>
+            <a:endParaRPr lang="en-US" altLang="zh-CN" dirty="0"/>
+          </a:p>
+        </p:txBody>
+      </p:sp>
+    </p:spTree>
+    <p:extLst>
+      <p:ext uri="{BB962C8B-B14F-4D97-AF65-F5344CB8AC3E}">
+        <p14:creationId xmlns:p14="http://schemas.microsoft.com/office/powerpoint/2010/main" val="3358733684"/>
+      </p:ext>
+    </p:extLst>
+  </p:cSld>
+  <p:clrMapOvr>
+    <a:masterClrMapping/>
+  </p:clrMapOvr>
+  <p:timing>
+    <p:tnLst>
+      <p:par>
+        <p:cTn id="1" dur="indefinite" restart="never" nodeType="tmRoot"/>
+      </p:par>
+    </p:tnLst>
+  </p:timing>
+</p:sld>
+</file>
+
+<file path=ppt/slides/slide15.xml><?xml version="1.0" encoding="utf-8"?>
+<p:sld xmlns:a="http://schemas.openxmlformats.org/drawingml/2006/main" xmlns:r="http://schemas.openxmlformats.org/officeDocument/2006/relationships" xmlns:p="http://schemas.openxmlformats.org/presentationml/2006/main">
+  <p:cSld>
+    <p:spTree>
+      <p:nvGrpSpPr>
+        <p:cNvPr id="1" name=""/>
+        <p:cNvGrpSpPr/>
+        <p:nvPr/>
+      </p:nvGrpSpPr>
+      <p:grpSpPr>
+        <a:xfrm>
+          <a:off x="0" y="0"/>
+          <a:ext cx="0" cy="0"/>
+          <a:chOff x="0" y="0"/>
+          <a:chExt cx="0" cy="0"/>
+        </a:xfrm>
+      </p:grpSpPr>
+      <p:sp>
+        <p:nvSpPr>
+          <p:cNvPr id="2" name="标题 1"/>
+          <p:cNvSpPr>
+            <a:spLocks noGrp="1"/>
+          </p:cNvSpPr>
+          <p:nvPr>
+            <p:ph type="title"/>
+          </p:nvPr>
+        </p:nvSpPr>
+        <p:spPr/>
+        <p:txBody>
+          <a:bodyPr>
+            <a:normAutofit fontScale="90000"/>
+          </a:bodyPr>
+          <a:lstStyle/>
+          <a:p>
+            <a:r>
+              <a:rPr lang="zh-CN" altLang="en-US" dirty="0" smtClean="0"/>
+              <a:t>访问标签的内容</a:t>
+            </a:r>
+            <a:endParaRPr lang="zh-CN" altLang="en-US" dirty="0"/>
+          </a:p>
+        </p:txBody>
+      </p:sp>
+      <p:sp>
+        <p:nvSpPr>
+          <p:cNvPr id="3" name="内容占位符 2"/>
+          <p:cNvSpPr>
+            <a:spLocks noGrp="1"/>
+          </p:cNvSpPr>
+          <p:nvPr>
+            <p:ph idx="1"/>
+          </p:nvPr>
+        </p:nvSpPr>
+        <p:spPr/>
+        <p:txBody>
+          <a:bodyPr/>
+          <a:lstStyle/>
+          <a:p>
+            <a:r>
+              <a:rPr lang="en-US" altLang="zh-CN" dirty="0" err="1"/>
+              <a:t>JspContext</a:t>
+            </a:r>
+            <a:r>
+              <a:rPr lang="en-US" altLang="zh-CN" dirty="0"/>
+              <a:t> </a:t>
+            </a:r>
+            <a:r>
+              <a:rPr lang="en-US" altLang="zh-CN" dirty="0" err="1"/>
+              <a:t>getJspContext</a:t>
+            </a:r>
+            <a:r>
+              <a:rPr lang="en-US" altLang="zh-CN" dirty="0" smtClean="0"/>
+              <a:t>()</a:t>
+            </a:r>
+          </a:p>
+          <a:p>
+            <a:pPr lvl="1"/>
+            <a:r>
+              <a:rPr lang="zh-CN" altLang="en-US" dirty="0" smtClean="0"/>
+              <a:t>返回与</a:t>
+            </a:r>
+            <a:r>
+              <a:rPr lang="en-US" altLang="zh-CN" dirty="0" smtClean="0"/>
+              <a:t>JSP</a:t>
+            </a:r>
+            <a:r>
+              <a:rPr lang="zh-CN" altLang="en-US" dirty="0" smtClean="0"/>
+              <a:t>片段相关的</a:t>
+            </a:r>
+            <a:r>
+              <a:rPr lang="en-US" altLang="zh-CN" dirty="0" err="1" smtClean="0"/>
+              <a:t>JspContext</a:t>
+            </a:r>
+            <a:r>
+              <a:rPr lang="zh-CN" altLang="en-US" dirty="0" smtClean="0"/>
+              <a:t>对象</a:t>
+            </a:r>
+            <a:endParaRPr lang="en-US" altLang="zh-CN" dirty="0" smtClean="0"/>
+          </a:p>
+          <a:p>
+            <a:r>
+              <a:rPr lang="en-US" altLang="zh-CN" dirty="0"/>
+              <a:t>void invoke( Writer out </a:t>
+            </a:r>
+            <a:r>
+              <a:rPr lang="en-US" altLang="zh-CN" dirty="0" smtClean="0"/>
+              <a:t>)</a:t>
+            </a:r>
+          </a:p>
+          <a:p>
+            <a:pPr lvl="1"/>
+            <a:r>
+              <a:rPr lang="zh-CN" altLang="en-US" dirty="0" smtClean="0"/>
+              <a:t>执行标签的内容</a:t>
+            </a:r>
+            <a:endParaRPr lang="zh-CN" altLang="en-US" dirty="0"/>
+          </a:p>
+        </p:txBody>
+      </p:sp>
+    </p:spTree>
+    <p:extLst>
+      <p:ext uri="{BB962C8B-B14F-4D97-AF65-F5344CB8AC3E}">
+        <p14:creationId xmlns:p14="http://schemas.microsoft.com/office/powerpoint/2010/main" val="4109480127"/>
+      </p:ext>
+    </p:extLst>
+  </p:cSld>
+  <p:clrMapOvr>
+    <a:masterClrMapping/>
+  </p:clrMapOvr>
+  <p:timing>
+    <p:tnLst>
+      <p:par>
+        <p:cTn id="1" dur="indefinite" restart="never" nodeType="tmRoot"/>
+      </p:par>
+    </p:tnLst>
+  </p:timing>
+</p:sld>
+</file>
+
+<file path=ppt/slides/slide16.xml><?xml version="1.0" encoding="utf-8"?>
+<p:sld xmlns:a="http://schemas.openxmlformats.org/drawingml/2006/main" xmlns:r="http://schemas.openxmlformats.org/officeDocument/2006/relationships" xmlns:p="http://schemas.openxmlformats.org/presentationml/2006/main">
+  <p:cSld>
+    <p:spTree>
+      <p:nvGrpSpPr>
+        <p:cNvPr id="1" name=""/>
+        <p:cNvGrpSpPr/>
+        <p:nvPr/>
+      </p:nvGrpSpPr>
+      <p:grpSpPr>
+        <a:xfrm>
+          <a:off x="0" y="0"/>
+          <a:ext cx="0" cy="0"/>
+          <a:chOff x="0" y="0"/>
+          <a:chExt cx="0" cy="0"/>
+        </a:xfrm>
+      </p:grpSpPr>
+      <p:sp>
+        <p:nvSpPr>
+          <p:cNvPr id="2" name="标题 1"/>
+          <p:cNvSpPr>
+            <a:spLocks noGrp="1"/>
+          </p:cNvSpPr>
+          <p:nvPr>
+            <p:ph type="title"/>
+          </p:nvPr>
+        </p:nvSpPr>
+        <p:spPr/>
+        <p:txBody>
+          <a:bodyPr>
+            <a:normAutofit fontScale="90000"/>
+          </a:bodyPr>
+          <a:lstStyle/>
+          <a:p>
+            <a:r>
+              <a:rPr lang="en-US" altLang="zh-CN" dirty="0"/>
+              <a:t>JSP - Standard Tag Library (JSTL)</a:t>
+            </a:r>
+            <a:endParaRPr lang="zh-CN" altLang="en-US" dirty="0"/>
+          </a:p>
+        </p:txBody>
+      </p:sp>
+      <p:sp>
+        <p:nvSpPr>
+          <p:cNvPr id="3" name="内容占位符 2"/>
+          <p:cNvSpPr>
+            <a:spLocks noGrp="1"/>
+          </p:cNvSpPr>
+          <p:nvPr>
+            <p:ph idx="1"/>
+          </p:nvPr>
+        </p:nvSpPr>
+        <p:spPr/>
+        <p:txBody>
+          <a:bodyPr/>
+          <a:lstStyle/>
+          <a:p>
+            <a:r>
+              <a:rPr lang="en-US" altLang="zh-CN" dirty="0"/>
+              <a:t>Core Tags</a:t>
+            </a:r>
+          </a:p>
+          <a:p>
+            <a:r>
+              <a:rPr lang="en-US" altLang="zh-CN" dirty="0"/>
+              <a:t>Formatting tags</a:t>
+            </a:r>
+          </a:p>
+          <a:p>
+            <a:r>
+              <a:rPr lang="en-US" altLang="zh-CN" dirty="0"/>
+              <a:t>SQL tags</a:t>
+            </a:r>
+          </a:p>
+          <a:p>
+            <a:r>
+              <a:rPr lang="en-US" altLang="zh-CN" dirty="0"/>
+              <a:t>XML tags</a:t>
+            </a:r>
+          </a:p>
+          <a:p>
+            <a:r>
+              <a:rPr lang="en-US" altLang="zh-CN" dirty="0"/>
+              <a:t>JSTL Functions</a:t>
+            </a:r>
+            <a:endParaRPr lang="zh-CN" altLang="en-US" dirty="0"/>
+          </a:p>
+        </p:txBody>
+      </p:sp>
+    </p:spTree>
+    <p:extLst>
+      <p:ext uri="{BB962C8B-B14F-4D97-AF65-F5344CB8AC3E}">
+        <p14:creationId xmlns:p14="http://schemas.microsoft.com/office/powerpoint/2010/main" val="303232483"/>
+      </p:ext>
+    </p:extLst>
+  </p:cSld>
+  <p:clrMapOvr>
+    <a:masterClrMapping/>
+  </p:clrMapOvr>
+</p:sld>
+</file>
+
+<file path=ppt/slides/slide17.xml><?xml version="1.0" encoding="utf-8"?>
+<p:sld xmlns:a="http://schemas.openxmlformats.org/drawingml/2006/main" xmlns:r="http://schemas.openxmlformats.org/officeDocument/2006/relationships" xmlns:p="http://schemas.openxmlformats.org/presentationml/2006/main">
+  <p:cSld>
+    <p:spTree>
+      <p:nvGrpSpPr>
+        <p:cNvPr id="1" name=""/>
+        <p:cNvGrpSpPr/>
+        <p:nvPr/>
+      </p:nvGrpSpPr>
+      <p:grpSpPr>
+        <a:xfrm>
+          <a:off x="0" y="0"/>
+          <a:ext cx="0" cy="0"/>
+          <a:chOff x="0" y="0"/>
+          <a:chExt cx="0" cy="0"/>
+        </a:xfrm>
+      </p:grpSpPr>
+      <p:sp>
+        <p:nvSpPr>
+          <p:cNvPr id="2" name="标题 1"/>
+          <p:cNvSpPr>
+            <a:spLocks noGrp="1"/>
+          </p:cNvSpPr>
+          <p:nvPr>
+            <p:ph type="title"/>
+          </p:nvPr>
+        </p:nvSpPr>
+        <p:spPr/>
+        <p:txBody>
+          <a:bodyPr>
+            <a:normAutofit fontScale="90000"/>
+          </a:bodyPr>
+          <a:lstStyle/>
+          <a:p>
+            <a:r>
+              <a:rPr lang="en-US" altLang="zh-CN" dirty="0"/>
+              <a:t>Core Tags</a:t>
+            </a:r>
+            <a:endParaRPr lang="zh-CN" altLang="en-US" dirty="0"/>
+          </a:p>
+        </p:txBody>
+      </p:sp>
+      <p:sp>
+        <p:nvSpPr>
+          <p:cNvPr id="3" name="内容占位符 2"/>
+          <p:cNvSpPr>
+            <a:spLocks noGrp="1"/>
+          </p:cNvSpPr>
+          <p:nvPr>
+            <p:ph idx="1"/>
+          </p:nvPr>
+        </p:nvSpPr>
+        <p:spPr/>
+        <p:txBody>
+          <a:bodyPr>
+            <a:normAutofit fontScale="92500" lnSpcReduction="20000"/>
+          </a:bodyPr>
+          <a:lstStyle/>
+          <a:p>
+            <a:r>
+              <a:rPr lang="it-IT" altLang="zh-CN" dirty="0"/>
+              <a:t>&lt;%@ taglib prefix = "c" uri = "http://java.sun.com/jsp/jstl/core" %&gt;</a:t>
+            </a:r>
+            <a:endParaRPr lang="en-US" altLang="zh-CN" dirty="0" smtClean="0"/>
+          </a:p>
+          <a:p>
+            <a:pPr lvl="1"/>
+            <a:r>
+              <a:rPr lang="en-US" altLang="zh-CN" dirty="0" smtClean="0"/>
+              <a:t>&lt;</a:t>
+            </a:r>
+            <a:r>
+              <a:rPr lang="en-US" altLang="zh-CN" dirty="0" err="1"/>
+              <a:t>c:out</a:t>
+            </a:r>
+            <a:r>
+              <a:rPr lang="en-US" altLang="zh-CN" dirty="0" smtClean="0"/>
+              <a:t>&gt;  </a:t>
+            </a:r>
+            <a:r>
+              <a:rPr lang="zh-CN" altLang="en-US" dirty="0" smtClean="0"/>
+              <a:t>等价于</a:t>
+            </a:r>
+            <a:r>
+              <a:rPr lang="en-US" altLang="zh-CN" dirty="0" smtClean="0"/>
+              <a:t> &lt;%= </a:t>
+            </a:r>
+            <a:r>
+              <a:rPr lang="en-US" altLang="zh-CN" dirty="0" err="1" smtClean="0"/>
+              <a:t>expr</a:t>
+            </a:r>
+            <a:r>
+              <a:rPr lang="en-US" altLang="zh-CN" dirty="0" smtClean="0"/>
+              <a:t>%&gt;</a:t>
+            </a:r>
+            <a:endParaRPr lang="en-US" altLang="zh-CN" dirty="0"/>
+          </a:p>
+          <a:p>
+            <a:pPr lvl="1"/>
+            <a:r>
+              <a:rPr lang="en-US" altLang="zh-CN" dirty="0"/>
+              <a:t>&lt;</a:t>
+            </a:r>
+            <a:r>
+              <a:rPr lang="en-US" altLang="zh-CN" dirty="0" err="1"/>
+              <a:t>c:if</a:t>
+            </a:r>
+            <a:r>
+              <a:rPr lang="en-US" altLang="zh-CN" dirty="0"/>
+              <a:t>&gt;</a:t>
+            </a:r>
+          </a:p>
+          <a:p>
+            <a:pPr lvl="1"/>
+            <a:r>
+              <a:rPr lang="en-US" altLang="zh-CN" dirty="0"/>
+              <a:t>&lt;</a:t>
+            </a:r>
+            <a:r>
+              <a:rPr lang="en-US" altLang="zh-CN" dirty="0" err="1"/>
+              <a:t>c:choose</a:t>
+            </a:r>
+            <a:r>
+              <a:rPr lang="en-US" altLang="zh-CN" dirty="0"/>
+              <a:t>&gt;</a:t>
+            </a:r>
+          </a:p>
+          <a:p>
+            <a:pPr lvl="1"/>
+            <a:r>
+              <a:rPr lang="en-US" altLang="zh-CN" dirty="0"/>
+              <a:t>&lt;</a:t>
+            </a:r>
+            <a:r>
+              <a:rPr lang="en-US" altLang="zh-CN" dirty="0" err="1"/>
+              <a:t>c:when</a:t>
+            </a:r>
+            <a:r>
+              <a:rPr lang="en-US" altLang="zh-CN" dirty="0"/>
+              <a:t>&gt;</a:t>
+            </a:r>
+          </a:p>
+          <a:p>
+            <a:pPr lvl="1"/>
+            <a:r>
+              <a:rPr lang="en-US" altLang="zh-CN" dirty="0"/>
+              <a:t>&lt;</a:t>
+            </a:r>
+            <a:r>
+              <a:rPr lang="en-US" altLang="zh-CN" dirty="0" err="1"/>
+              <a:t>c:otherwise</a:t>
+            </a:r>
+            <a:r>
+              <a:rPr lang="en-US" altLang="zh-CN" dirty="0"/>
+              <a:t> &gt;</a:t>
+            </a:r>
+          </a:p>
+          <a:p>
+            <a:pPr lvl="1"/>
+            <a:r>
+              <a:rPr lang="en-US" altLang="zh-CN" dirty="0"/>
+              <a:t>&lt;</a:t>
+            </a:r>
+            <a:r>
+              <a:rPr lang="en-US" altLang="zh-CN" dirty="0" err="1"/>
+              <a:t>c:forEach</a:t>
+            </a:r>
+            <a:r>
+              <a:rPr lang="en-US" altLang="zh-CN" dirty="0"/>
+              <a:t> &gt;</a:t>
+            </a:r>
+          </a:p>
+          <a:p>
+            <a:pPr lvl="1"/>
+            <a:r>
+              <a:rPr lang="en-US" altLang="zh-CN" dirty="0"/>
+              <a:t>&lt;</a:t>
+            </a:r>
+            <a:r>
+              <a:rPr lang="en-US" altLang="zh-CN" dirty="0" err="1"/>
+              <a:t>c:param</a:t>
+            </a:r>
+            <a:r>
+              <a:rPr lang="en-US" altLang="zh-CN" dirty="0"/>
+              <a:t>&gt;</a:t>
+            </a:r>
+          </a:p>
+          <a:p>
+            <a:pPr lvl="1"/>
+            <a:r>
+              <a:rPr lang="en-US" altLang="zh-CN" dirty="0"/>
+              <a:t>&lt;</a:t>
+            </a:r>
+            <a:r>
+              <a:rPr lang="en-US" altLang="zh-CN" dirty="0" err="1"/>
+              <a:t>c:redirect</a:t>
+            </a:r>
+            <a:r>
+              <a:rPr lang="en-US" altLang="zh-CN" dirty="0"/>
+              <a:t> &gt;</a:t>
+            </a:r>
+          </a:p>
+          <a:p>
+            <a:pPr lvl="1"/>
+            <a:r>
+              <a:rPr lang="en-US" altLang="zh-CN" dirty="0"/>
+              <a:t>&lt;</a:t>
+            </a:r>
+            <a:r>
+              <a:rPr lang="en-US" altLang="zh-CN" dirty="0" err="1"/>
+              <a:t>c:url</a:t>
+            </a:r>
+            <a:r>
+              <a:rPr lang="en-US" altLang="zh-CN" dirty="0"/>
+              <a:t>&gt;</a:t>
+            </a:r>
+          </a:p>
+          <a:p>
+            <a:endParaRPr lang="zh-CN" altLang="en-US" dirty="0"/>
+          </a:p>
+        </p:txBody>
+      </p:sp>
+    </p:spTree>
+    <p:extLst>
+      <p:ext uri="{BB962C8B-B14F-4D97-AF65-F5344CB8AC3E}">
+        <p14:creationId xmlns:p14="http://schemas.microsoft.com/office/powerpoint/2010/main" val="2699445456"/>
+      </p:ext>
+    </p:extLst>
+  </p:cSld>
+  <p:clrMapOvr>
+    <a:masterClrMapping/>
+  </p:clrMapOvr>
+</p:sld>
+</file>
+
+<file path=ppt/slides/slide18.xml><?xml version="1.0" encoding="utf-8"?>
+<p:sld xmlns:a="http://schemas.openxmlformats.org/drawingml/2006/main" xmlns:r="http://schemas.openxmlformats.org/officeDocument/2006/relationships" xmlns:p="http://schemas.openxmlformats.org/presentationml/2006/main">
+  <p:cSld>
+    <p:spTree>
+      <p:nvGrpSpPr>
+        <p:cNvPr id="1" name=""/>
+        <p:cNvGrpSpPr/>
+        <p:nvPr/>
+      </p:nvGrpSpPr>
+      <p:grpSpPr>
+        <a:xfrm>
+          <a:off x="0" y="0"/>
+          <a:ext cx="0" cy="0"/>
+          <a:chOff x="0" y="0"/>
+          <a:chExt cx="0" cy="0"/>
+        </a:xfrm>
+      </p:grpSpPr>
+      <p:sp>
+        <p:nvSpPr>
+          <p:cNvPr id="2" name="标题 1"/>
+          <p:cNvSpPr>
+            <a:spLocks noGrp="1"/>
+          </p:cNvSpPr>
+          <p:nvPr>
+            <p:ph type="title"/>
+          </p:nvPr>
+        </p:nvSpPr>
+        <p:spPr/>
+        <p:txBody>
+          <a:bodyPr>
+            <a:normAutofit fontScale="90000"/>
+          </a:bodyPr>
+          <a:lstStyle/>
+          <a:p>
+            <a:r>
+              <a:rPr lang="en-US" altLang="zh-CN" dirty="0">
+                <a:effectLst/>
+              </a:rPr>
+              <a:t>Formatting </a:t>
+            </a:r>
+            <a:r>
+              <a:rPr lang="en-US" altLang="zh-CN" dirty="0" smtClean="0">
+                <a:effectLst/>
+              </a:rPr>
+              <a:t>Tags</a:t>
+            </a:r>
+            <a:endParaRPr lang="zh-CN" altLang="en-US" dirty="0"/>
+          </a:p>
+        </p:txBody>
+      </p:sp>
+      <p:sp>
+        <p:nvSpPr>
+          <p:cNvPr id="3" name="内容占位符 2"/>
+          <p:cNvSpPr>
+            <a:spLocks noGrp="1"/>
+          </p:cNvSpPr>
+          <p:nvPr>
+            <p:ph idx="1"/>
+          </p:nvPr>
+        </p:nvSpPr>
+        <p:spPr/>
+        <p:txBody>
+          <a:bodyPr>
+            <a:normAutofit/>
+          </a:bodyPr>
+          <a:lstStyle/>
+          <a:p>
+            <a:r>
+              <a:rPr lang="en-US" altLang="zh-CN" dirty="0"/>
+              <a:t>&lt;%@ </a:t>
+            </a:r>
+            <a:r>
+              <a:rPr lang="en-US" altLang="zh-CN" dirty="0" err="1"/>
+              <a:t>taglib</a:t>
+            </a:r>
+            <a:r>
+              <a:rPr lang="en-US" altLang="zh-CN" dirty="0"/>
+              <a:t> prefix = "</a:t>
+            </a:r>
+            <a:r>
+              <a:rPr lang="en-US" altLang="zh-CN" dirty="0" err="1"/>
+              <a:t>fmt</a:t>
+            </a:r>
+            <a:r>
+              <a:rPr lang="en-US" altLang="zh-CN" dirty="0"/>
+              <a:t>" </a:t>
+            </a:r>
+            <a:r>
+              <a:rPr lang="en-US" altLang="zh-CN" dirty="0" err="1"/>
+              <a:t>uri</a:t>
+            </a:r>
+            <a:r>
+              <a:rPr lang="en-US" altLang="zh-CN" dirty="0"/>
+              <a:t> = "http://java.sun.com/</a:t>
+            </a:r>
+            <a:r>
+              <a:rPr lang="en-US" altLang="zh-CN" dirty="0" err="1"/>
+              <a:t>jsp</a:t>
+            </a:r>
+            <a:r>
+              <a:rPr lang="en-US" altLang="zh-CN" dirty="0"/>
+              <a:t>/</a:t>
+            </a:r>
+            <a:r>
+              <a:rPr lang="en-US" altLang="zh-CN" dirty="0" err="1"/>
+              <a:t>jstl</a:t>
+            </a:r>
+            <a:r>
+              <a:rPr lang="en-US" altLang="zh-CN" dirty="0"/>
+              <a:t>/</a:t>
+            </a:r>
+            <a:r>
+              <a:rPr lang="en-US" altLang="zh-CN" dirty="0" err="1"/>
+              <a:t>fmt</a:t>
+            </a:r>
+            <a:r>
+              <a:rPr lang="en-US" altLang="zh-CN" dirty="0"/>
+              <a:t>" </a:t>
+            </a:r>
+            <a:r>
+              <a:rPr lang="en-US" altLang="zh-CN" dirty="0" smtClean="0"/>
+              <a:t>%&gt;</a:t>
+            </a:r>
+          </a:p>
+          <a:p>
+            <a:pPr lvl="1"/>
+            <a:r>
+              <a:rPr lang="en-US" altLang="zh-CN" dirty="0" smtClean="0"/>
+              <a:t>&lt;</a:t>
+            </a:r>
+            <a:r>
+              <a:rPr lang="en-US" altLang="zh-CN" dirty="0" err="1"/>
+              <a:t>fmt:formatNumber</a:t>
+            </a:r>
+            <a:r>
+              <a:rPr lang="en-US" altLang="zh-CN" dirty="0"/>
+              <a:t>&gt;</a:t>
+            </a:r>
+          </a:p>
+          <a:p>
+            <a:pPr lvl="1"/>
+            <a:r>
+              <a:rPr lang="en-US" altLang="zh-CN" dirty="0"/>
+              <a:t>&lt;</a:t>
+            </a:r>
+            <a:r>
+              <a:rPr lang="en-US" altLang="zh-CN" dirty="0" err="1"/>
+              <a:t>fmt:parseNumber</a:t>
+            </a:r>
+            <a:r>
+              <a:rPr lang="en-US" altLang="zh-CN" dirty="0"/>
+              <a:t>&gt;</a:t>
+            </a:r>
+          </a:p>
+          <a:p>
+            <a:pPr lvl="1"/>
+            <a:r>
+              <a:rPr lang="en-US" altLang="zh-CN" dirty="0"/>
+              <a:t>&lt;</a:t>
+            </a:r>
+            <a:r>
+              <a:rPr lang="en-US" altLang="zh-CN" dirty="0" err="1"/>
+              <a:t>fmt:formatDate</a:t>
+            </a:r>
+            <a:r>
+              <a:rPr lang="en-US" altLang="zh-CN" dirty="0"/>
+              <a:t>&gt;</a:t>
+            </a:r>
+          </a:p>
+          <a:p>
+            <a:pPr lvl="1"/>
+            <a:r>
+              <a:rPr lang="en-US" altLang="zh-CN" dirty="0"/>
+              <a:t>&lt;</a:t>
+            </a:r>
+            <a:r>
+              <a:rPr lang="en-US" altLang="zh-CN" dirty="0" err="1"/>
+              <a:t>fmt:parseDate</a:t>
+            </a:r>
+            <a:r>
+              <a:rPr lang="en-US" altLang="zh-CN" dirty="0"/>
+              <a:t>&gt;</a:t>
+            </a:r>
+          </a:p>
+          <a:p>
+            <a:pPr lvl="1"/>
+            <a:r>
+              <a:rPr lang="en-US" altLang="zh-CN" dirty="0"/>
+              <a:t>&lt;</a:t>
+            </a:r>
+            <a:r>
+              <a:rPr lang="en-US" altLang="zh-CN" dirty="0" err="1"/>
+              <a:t>fmt:message</a:t>
+            </a:r>
+            <a:r>
+              <a:rPr lang="en-US" altLang="zh-CN" dirty="0"/>
+              <a:t>&gt;</a:t>
+            </a:r>
+          </a:p>
+          <a:p>
+            <a:endParaRPr lang="zh-CN" altLang="en-US" dirty="0"/>
+          </a:p>
+        </p:txBody>
+      </p:sp>
+    </p:spTree>
+    <p:extLst>
+      <p:ext uri="{BB962C8B-B14F-4D97-AF65-F5344CB8AC3E}">
+        <p14:creationId xmlns:p14="http://schemas.microsoft.com/office/powerpoint/2010/main" val="4282722550"/>
+      </p:ext>
+    </p:extLst>
+  </p:cSld>
+  <p:clrMapOvr>
+    <a:masterClrMapping/>
+  </p:clrMapOvr>
+</p:sld>
+</file>
+
+<file path=ppt/slides/slide19.xml><?xml version="1.0" encoding="utf-8"?>
+<p:sld xmlns:a="http://schemas.openxmlformats.org/drawingml/2006/main" xmlns:r="http://schemas.openxmlformats.org/officeDocument/2006/relationships" xmlns:p="http://schemas.openxmlformats.org/presentationml/2006/main">
+  <p:cSld>
+    <p:spTree>
+      <p:nvGrpSpPr>
+        <p:cNvPr id="1" name=""/>
+        <p:cNvGrpSpPr/>
+        <p:nvPr/>
+      </p:nvGrpSpPr>
+      <p:grpSpPr>
+        <a:xfrm>
+          <a:off x="0" y="0"/>
+          <a:ext cx="0" cy="0"/>
+          <a:chOff x="0" y="0"/>
+          <a:chExt cx="0" cy="0"/>
+        </a:xfrm>
+      </p:grpSpPr>
+    </p:spTree>
+    <p:extLst>
+      <p:ext uri="{BB962C8B-B14F-4D97-AF65-F5344CB8AC3E}">
+        <p14:creationId xmlns:p14="http://schemas.microsoft.com/office/powerpoint/2010/main" val="3418871224"/>
+      </p:ext>
+    </p:extLst>
+  </p:cSld>
+  <p:clrMapOvr>
+    <a:masterClrMapping/>
+  </p:clrMapOvr>
+  <p:timing>
+    <p:tnLst>
+      <p:par>
+        <p:cTn id="1" dur="indefinite" restart="never" nodeType="tmRoot"/>
+      </p:par>
+    </p:tnLst>
+  </p:timing>
+</p:sld>
+</file>
+
 <file path=ppt/slides/slide2.xml><?xml version="1.0" encoding="utf-8"?>
 <p:sld xmlns:a="http://schemas.openxmlformats.org/drawingml/2006/main" xmlns:r="http://schemas.openxmlformats.org/officeDocument/2006/relationships" xmlns:p="http://schemas.openxmlformats.org/presentationml/2006/main">
   <p:cSld>
@@ -39793,7 +41686,139 @@
           </a:bodyPr>
           <a:lstStyle/>
           <a:p>
-            <a:endParaRPr lang="zh-CN" altLang="en-US"/>
+            <a:r>
+              <a:rPr lang="en-US" altLang="zh-CN" dirty="0" smtClean="0"/>
+              <a:t>JSP</a:t>
+            </a:r>
+            <a:r>
+              <a:rPr lang="zh-CN" altLang="en-US" dirty="0" smtClean="0"/>
+              <a:t>的益处</a:t>
+            </a:r>
+            <a:endParaRPr lang="zh-CN" altLang="en-US" dirty="0"/>
+          </a:p>
+        </p:txBody>
+      </p:sp>
+      <p:sp>
+        <p:nvSpPr>
+          <p:cNvPr id="3" name="内容占位符 2"/>
+          <p:cNvSpPr>
+            <a:spLocks noGrp="1"/>
+          </p:cNvSpPr>
+          <p:nvPr>
+            <p:ph idx="1"/>
+          </p:nvPr>
+        </p:nvSpPr>
+        <p:spPr/>
+        <p:txBody>
+          <a:bodyPr/>
+          <a:lstStyle/>
+          <a:p>
+            <a:r>
+              <a:rPr lang="zh-CN" altLang="en-US" dirty="0" smtClean="0"/>
+              <a:t>易于</a:t>
+            </a:r>
+            <a:r>
+              <a:rPr lang="zh-CN" altLang="en-US" dirty="0" smtClean="0"/>
+              <a:t>编写动态</a:t>
+            </a:r>
+            <a:r>
+              <a:rPr lang="en-US" altLang="zh-CN" dirty="0" smtClean="0"/>
+              <a:t>HTML</a:t>
+            </a:r>
+            <a:r>
+              <a:rPr lang="zh-CN" altLang="en-US" dirty="0" smtClean="0"/>
+              <a:t>页面</a:t>
+            </a:r>
+            <a:endParaRPr lang="en-US" altLang="zh-CN" dirty="0" smtClean="0"/>
+          </a:p>
+          <a:p>
+            <a:r>
+              <a:rPr lang="zh-CN" altLang="en-US" dirty="0" smtClean="0"/>
+              <a:t>使用标准的</a:t>
+            </a:r>
+            <a:r>
+              <a:rPr lang="en-US" altLang="zh-CN" dirty="0" smtClean="0"/>
+              <a:t>HTML</a:t>
+            </a:r>
+            <a:r>
+              <a:rPr lang="zh-CN" altLang="en-US" dirty="0" smtClean="0"/>
+              <a:t>编辑工具查看</a:t>
+            </a:r>
+            <a:r>
+              <a:rPr lang="en-US" altLang="zh-CN" dirty="0" smtClean="0"/>
+              <a:t>JSP</a:t>
+            </a:r>
+            <a:r>
+              <a:rPr lang="zh-CN" altLang="en-US" dirty="0" smtClean="0"/>
+              <a:t>页面</a:t>
+            </a:r>
+            <a:endParaRPr lang="zh-CN" altLang="en-US" dirty="0"/>
+          </a:p>
+        </p:txBody>
+      </p:sp>
+    </p:spTree>
+    <p:extLst>
+      <p:ext uri="{BB962C8B-B14F-4D97-AF65-F5344CB8AC3E}">
+        <p14:creationId xmlns:p14="http://schemas.microsoft.com/office/powerpoint/2010/main" val="3288246481"/>
+      </p:ext>
+    </p:extLst>
+  </p:cSld>
+  <p:clrMapOvr>
+    <a:masterClrMapping/>
+  </p:clrMapOvr>
+  <p:timing>
+    <p:tnLst>
+      <p:par>
+        <p:cTn id="1" dur="indefinite" restart="never" nodeType="tmRoot"/>
+      </p:par>
+    </p:tnLst>
+  </p:timing>
+</p:sld>
+</file>
+
+<file path=ppt/slides/slide3.xml><?xml version="1.0" encoding="utf-8"?>
+<p:sld xmlns:a="http://schemas.openxmlformats.org/drawingml/2006/main" xmlns:r="http://schemas.openxmlformats.org/officeDocument/2006/relationships" xmlns:p="http://schemas.openxmlformats.org/presentationml/2006/main">
+  <p:cSld>
+    <p:spTree>
+      <p:nvGrpSpPr>
+        <p:cNvPr id="1" name=""/>
+        <p:cNvGrpSpPr/>
+        <p:nvPr/>
+      </p:nvGrpSpPr>
+      <p:grpSpPr>
+        <a:xfrm>
+          <a:off x="0" y="0"/>
+          <a:ext cx="0" cy="0"/>
+          <a:chOff x="0" y="0"/>
+          <a:chExt cx="0" cy="0"/>
+        </a:xfrm>
+      </p:grpSpPr>
+      <p:sp>
+        <p:nvSpPr>
+          <p:cNvPr id="2" name="标题 1"/>
+          <p:cNvSpPr>
+            <a:spLocks noGrp="1"/>
+          </p:cNvSpPr>
+          <p:nvPr>
+            <p:ph type="title"/>
+          </p:nvPr>
+        </p:nvSpPr>
+        <p:spPr/>
+        <p:txBody>
+          <a:bodyPr>
+            <a:normAutofit fontScale="90000"/>
+          </a:bodyPr>
+          <a:lstStyle/>
+          <a:p>
+            <a:r>
+              <a:rPr lang="en-US" altLang="zh-CN" dirty="0" smtClean="0"/>
+              <a:t>JSP</a:t>
+            </a:r>
+            <a:r>
+              <a:rPr lang="zh-CN" altLang="en-US" dirty="0" smtClean="0"/>
+              <a:t>的生命期</a:t>
+            </a:r>
+            <a:endParaRPr lang="zh-CN" altLang="en-US" dirty="0"/>
           </a:p>
         </p:txBody>
       </p:sp>
@@ -39816,20 +41841,91 @@
           </a:p>
         </p:txBody>
       </p:sp>
+      <p:pic>
+        <p:nvPicPr>
+          <p:cNvPr id="1027" name="Picture 3"/>
+          <p:cNvPicPr>
+            <a:picLocks noChangeAspect="1" noChangeArrowheads="1"/>
+          </p:cNvPicPr>
+          <p:nvPr/>
+        </p:nvPicPr>
+        <p:blipFill>
+          <a:blip r:embed="rId2">
+            <a:extLst>
+              <a:ext uri="{28A0092B-C50C-407E-A947-70E740481C1C}">
+                <a14:useLocalDpi xmlns:a14="http://schemas.microsoft.com/office/drawing/2010/main" val="0"/>
+              </a:ext>
+            </a:extLst>
+          </a:blip>
+          <a:srcRect/>
+          <a:stretch>
+            <a:fillRect/>
+          </a:stretch>
+        </p:blipFill>
+        <p:spPr bwMode="auto">
+          <a:xfrm>
+            <a:off x="605104" y="1651567"/>
+            <a:ext cx="8183961" cy="4104456"/>
+          </a:xfrm>
+          <a:prstGeom prst="rect">
+            <a:avLst/>
+          </a:prstGeom>
+          <a:noFill/>
+          <a:ln>
+            <a:noFill/>
+          </a:ln>
+          <a:effectLst/>
+          <a:extLst>
+            <a:ext uri="{909E8E84-426E-40DD-AFC4-6F175D3DCCD1}">
+              <a14:hiddenFill xmlns:a14="http://schemas.microsoft.com/office/drawing/2010/main">
+                <a:solidFill>
+                  <a:schemeClr val="accent1"/>
+                </a:solidFill>
+              </a14:hiddenFill>
+            </a:ext>
+            <a:ext uri="{91240B29-F687-4F45-9708-019B960494DF}">
+              <a14:hiddenLine xmlns:a14="http://schemas.microsoft.com/office/drawing/2010/main" w="9525">
+                <a:solidFill>
+                  <a:schemeClr val="tx1"/>
+                </a:solidFill>
+                <a:miter lim="800000"/>
+                <a:headEnd/>
+                <a:tailEnd/>
+              </a14:hiddenLine>
+            </a:ext>
+            <a:ext uri="{AF507438-7753-43E0-B8FC-AC1667EBCBE1}">
+              <a14:hiddenEffects xmlns:a14="http://schemas.microsoft.com/office/drawing/2010/main">
+                <a:effectLst>
+                  <a:outerShdw dist="35921" dir="2700000" algn="ctr" rotWithShape="0">
+                    <a:schemeClr val="bg2"/>
+                  </a:outerShdw>
+                </a:effectLst>
+              </a14:hiddenEffects>
+            </a:ext>
+          </a:extLst>
+        </p:spPr>
+      </p:pic>
     </p:spTree>
     <p:extLst>
       <p:ext uri="{BB962C8B-B14F-4D97-AF65-F5344CB8AC3E}">
-        <p14:creationId xmlns:p14="http://schemas.microsoft.com/office/powerpoint/2010/main" val="3288246481"/>
+        <p14:creationId xmlns:p14="http://schemas.microsoft.com/office/powerpoint/2010/main" val="1972790782"/>
       </p:ext>
     </p:extLst>
   </p:cSld>
   <p:clrMapOvr>
     <a:masterClrMapping/>
   </p:clrMapOvr>
+  <p:timing>
+    <p:tnLst>
+      <p:par>
+        <p:cTn id="1" dur="indefinite" restart="never" nodeType="tmRoot"/>
+      </p:par>
+    </p:tnLst>
+  </p:timing>
 </p:sld>
 </file>
 
-<file path=ppt/slides/slide3.xml><?xml version="1.0" encoding="utf-8"?>
+<file path=ppt/slides/slide4.xml><?xml version="1.0" encoding="utf-8"?>
 <p:sld xmlns:a="http://schemas.openxmlformats.org/drawingml/2006/main" xmlns:r="http://schemas.openxmlformats.org/officeDocument/2006/relationships" xmlns:p="http://schemas.openxmlformats.org/presentationml/2006/main">
   <p:cSld>
     <p:spTree>
@@ -39846,10 +41942,1038 @@
           <a:chExt cx="0" cy="0"/>
         </a:xfrm>
       </p:grpSpPr>
+      <p:sp>
+        <p:nvSpPr>
+          <p:cNvPr id="2" name="标题 1"/>
+          <p:cNvSpPr>
+            <a:spLocks noGrp="1"/>
+          </p:cNvSpPr>
+          <p:nvPr>
+            <p:ph type="title"/>
+          </p:nvPr>
+        </p:nvSpPr>
+        <p:spPr/>
+        <p:txBody>
+          <a:bodyPr>
+            <a:normAutofit fontScale="90000"/>
+          </a:bodyPr>
+          <a:lstStyle/>
+          <a:p>
+            <a:r>
+              <a:rPr lang="en-US" altLang="zh-CN" dirty="0" smtClean="0"/>
+              <a:t>JSP</a:t>
+            </a:r>
+            <a:r>
+              <a:rPr lang="zh-CN" altLang="en-US" dirty="0" smtClean="0"/>
+              <a:t>页面隐含对象</a:t>
+            </a:r>
+            <a:endParaRPr lang="zh-CN" altLang="en-US" dirty="0"/>
+          </a:p>
+        </p:txBody>
+      </p:sp>
+      <p:sp>
+        <p:nvSpPr>
+          <p:cNvPr id="3" name="内容占位符 2"/>
+          <p:cNvSpPr>
+            <a:spLocks noGrp="1"/>
+          </p:cNvSpPr>
+          <p:nvPr>
+            <p:ph idx="1"/>
+          </p:nvPr>
+        </p:nvSpPr>
+        <p:spPr/>
+        <p:txBody>
+          <a:bodyPr>
+            <a:normAutofit/>
+          </a:bodyPr>
+          <a:lstStyle/>
+          <a:p>
+            <a:r>
+              <a:rPr lang="en-US" altLang="zh-CN" dirty="0"/>
+              <a:t>request</a:t>
+            </a:r>
+            <a:r>
+              <a:rPr lang="zh-CN" altLang="en-US" dirty="0"/>
+              <a:t>： </a:t>
+            </a:r>
+            <a:r>
+              <a:rPr lang="en-US" altLang="zh-CN" dirty="0" err="1"/>
+              <a:t>HttpServletRequest</a:t>
+            </a:r>
+            <a:r>
+              <a:rPr lang="zh-CN" altLang="en-US" dirty="0"/>
+              <a:t>对象</a:t>
+            </a:r>
+          </a:p>
+          <a:p>
+            <a:r>
+              <a:rPr lang="en-US" altLang="zh-CN" dirty="0"/>
+              <a:t>response</a:t>
+            </a:r>
+            <a:r>
+              <a:rPr lang="zh-CN" altLang="en-US" dirty="0"/>
+              <a:t>：</a:t>
+            </a:r>
+            <a:r>
+              <a:rPr lang="en-US" altLang="zh-CN" dirty="0" err="1"/>
+              <a:t>HttpServletResponse</a:t>
+            </a:r>
+            <a:r>
+              <a:rPr lang="zh-CN" altLang="en-US" dirty="0"/>
+              <a:t>对象</a:t>
+            </a:r>
+          </a:p>
+          <a:p>
+            <a:r>
+              <a:rPr lang="en-US" altLang="zh-CN" dirty="0"/>
+              <a:t>out</a:t>
+            </a:r>
+            <a:r>
+              <a:rPr lang="zh-CN" altLang="en-US" dirty="0"/>
+              <a:t>：</a:t>
+            </a:r>
+            <a:r>
+              <a:rPr lang="en-US" altLang="zh-CN" dirty="0" err="1"/>
+              <a:t>PrintWriter</a:t>
+            </a:r>
+            <a:r>
+              <a:rPr lang="zh-CN" altLang="en-US" dirty="0"/>
+              <a:t>对象</a:t>
+            </a:r>
+          </a:p>
+          <a:p>
+            <a:r>
+              <a:rPr lang="en-US" altLang="zh-CN" dirty="0"/>
+              <a:t>session</a:t>
+            </a:r>
+            <a:r>
+              <a:rPr lang="zh-CN" altLang="en-US" dirty="0"/>
+              <a:t>：</a:t>
+            </a:r>
+            <a:r>
+              <a:rPr lang="en-US" altLang="zh-CN" dirty="0" err="1"/>
+              <a:t>HttpSession</a:t>
+            </a:r>
+            <a:r>
+              <a:rPr lang="zh-CN" altLang="en-US" dirty="0"/>
+              <a:t>对象</a:t>
+            </a:r>
+          </a:p>
+          <a:p>
+            <a:r>
+              <a:rPr lang="en-US" altLang="zh-CN" dirty="0"/>
+              <a:t>application</a:t>
+            </a:r>
+            <a:r>
+              <a:rPr lang="zh-CN" altLang="en-US" dirty="0"/>
+              <a:t>：</a:t>
+            </a:r>
+            <a:r>
+              <a:rPr lang="en-US" altLang="zh-CN" dirty="0" err="1"/>
+              <a:t>ServletContext</a:t>
+            </a:r>
+            <a:r>
+              <a:rPr lang="zh-CN" altLang="en-US" dirty="0"/>
+              <a:t>对象</a:t>
+            </a:r>
+          </a:p>
+          <a:p>
+            <a:r>
+              <a:rPr lang="en-US" altLang="zh-CN" dirty="0" err="1"/>
+              <a:t>config</a:t>
+            </a:r>
+            <a:r>
+              <a:rPr lang="zh-CN" altLang="en-US" dirty="0"/>
+              <a:t>：</a:t>
+            </a:r>
+            <a:r>
+              <a:rPr lang="en-US" altLang="zh-CN" dirty="0" err="1"/>
+              <a:t>ServletConfig</a:t>
+            </a:r>
+            <a:r>
+              <a:rPr lang="zh-CN" altLang="en-US" dirty="0"/>
+              <a:t>对象</a:t>
+            </a:r>
+          </a:p>
+          <a:p>
+            <a:r>
+              <a:rPr lang="en-US" altLang="zh-CN" dirty="0" smtClean="0"/>
+              <a:t>exception</a:t>
+            </a:r>
+            <a:r>
+              <a:rPr lang="zh-CN" altLang="en-US" dirty="0"/>
+              <a:t>：异常对象，在错误页面中</a:t>
+            </a:r>
+          </a:p>
+          <a:p>
+            <a:endParaRPr lang="zh-CN" altLang="en-US" dirty="0"/>
+          </a:p>
+        </p:txBody>
+      </p:sp>
     </p:spTree>
     <p:extLst>
       <p:ext uri="{BB962C8B-B14F-4D97-AF65-F5344CB8AC3E}">
-        <p14:creationId xmlns:p14="http://schemas.microsoft.com/office/powerpoint/2010/main" val="3418871224"/>
+        <p14:creationId xmlns:p14="http://schemas.microsoft.com/office/powerpoint/2010/main" val="1598417806"/>
+      </p:ext>
+    </p:extLst>
+  </p:cSld>
+  <p:clrMapOvr>
+    <a:masterClrMapping/>
+  </p:clrMapOvr>
+  <p:timing>
+    <p:tnLst>
+      <p:par>
+        <p:cTn id="1" dur="indefinite" restart="never" nodeType="tmRoot"/>
+      </p:par>
+    </p:tnLst>
+  </p:timing>
+</p:sld>
+</file>
+
+<file path=ppt/slides/slide5.xml><?xml version="1.0" encoding="utf-8"?>
+<p:sld xmlns:a="http://schemas.openxmlformats.org/drawingml/2006/main" xmlns:r="http://schemas.openxmlformats.org/officeDocument/2006/relationships" xmlns:p="http://schemas.openxmlformats.org/presentationml/2006/main">
+  <p:cSld>
+    <p:spTree>
+      <p:nvGrpSpPr>
+        <p:cNvPr id="1" name=""/>
+        <p:cNvGrpSpPr/>
+        <p:nvPr/>
+      </p:nvGrpSpPr>
+      <p:grpSpPr>
+        <a:xfrm>
+          <a:off x="0" y="0"/>
+          <a:ext cx="0" cy="0"/>
+          <a:chOff x="0" y="0"/>
+          <a:chExt cx="0" cy="0"/>
+        </a:xfrm>
+      </p:grpSpPr>
+      <p:sp>
+        <p:nvSpPr>
+          <p:cNvPr id="2" name="标题 1"/>
+          <p:cNvSpPr>
+            <a:spLocks noGrp="1"/>
+          </p:cNvSpPr>
+          <p:nvPr>
+            <p:ph type="title"/>
+          </p:nvPr>
+        </p:nvSpPr>
+        <p:spPr/>
+        <p:txBody>
+          <a:bodyPr>
+            <a:normAutofit fontScale="90000"/>
+          </a:bodyPr>
+          <a:lstStyle/>
+          <a:p>
+            <a:r>
+              <a:rPr lang="en-US" altLang="zh-CN" dirty="0"/>
+              <a:t>JSP</a:t>
+            </a:r>
+            <a:r>
+              <a:rPr lang="zh-CN" altLang="en-US" dirty="0"/>
+              <a:t>元素 </a:t>
+            </a:r>
+            <a:r>
+              <a:rPr lang="en-US" altLang="zh-CN" dirty="0" smtClean="0"/>
+              <a:t>– </a:t>
+            </a:r>
+            <a:r>
+              <a:rPr lang="zh-CN" altLang="en-US" dirty="0" smtClean="0"/>
+              <a:t>表达式</a:t>
+            </a:r>
+            <a:endParaRPr lang="zh-CN" altLang="en-US" dirty="0"/>
+          </a:p>
+        </p:txBody>
+      </p:sp>
+      <p:sp>
+        <p:nvSpPr>
+          <p:cNvPr id="3" name="内容占位符 2"/>
+          <p:cNvSpPr>
+            <a:spLocks noGrp="1"/>
+          </p:cNvSpPr>
+          <p:nvPr>
+            <p:ph idx="1"/>
+          </p:nvPr>
+        </p:nvSpPr>
+        <p:spPr/>
+        <p:txBody>
+          <a:bodyPr/>
+          <a:lstStyle/>
+          <a:p>
+            <a:r>
+              <a:rPr lang="en-US" altLang="zh-CN" dirty="0"/>
+              <a:t>&lt;%= expression </a:t>
+            </a:r>
+            <a:r>
+              <a:rPr lang="en-US" altLang="zh-CN" dirty="0" smtClean="0"/>
+              <a:t>%&gt;</a:t>
+            </a:r>
+          </a:p>
+          <a:p>
+            <a:pPr marL="0" indent="0">
+              <a:buNone/>
+            </a:pPr>
+            <a:endParaRPr lang="en-US" altLang="zh-CN" dirty="0"/>
+          </a:p>
+          <a:p>
+            <a:pPr marL="0" indent="0">
+              <a:buNone/>
+            </a:pPr>
+            <a:r>
+              <a:rPr lang="en-US" altLang="zh-CN" dirty="0"/>
+              <a:t>&lt;body&gt;</a:t>
+            </a:r>
+          </a:p>
+          <a:p>
+            <a:pPr marL="0" indent="0">
+              <a:buNone/>
+            </a:pPr>
+            <a:r>
+              <a:rPr lang="en-US" altLang="zh-CN" dirty="0"/>
+              <a:t>      &lt;p&gt;Today's date: &lt;%= (new </a:t>
+            </a:r>
+            <a:r>
+              <a:rPr lang="en-US" altLang="zh-CN" dirty="0" err="1"/>
+              <a:t>java.util.Date</a:t>
+            </a:r>
+            <a:r>
+              <a:rPr lang="en-US" altLang="zh-CN" dirty="0"/>
+              <a:t>()).</a:t>
+            </a:r>
+            <a:r>
+              <a:rPr lang="en-US" altLang="zh-CN" dirty="0" err="1"/>
+              <a:t>toLocaleString</a:t>
+            </a:r>
+            <a:r>
+              <a:rPr lang="en-US" altLang="zh-CN" dirty="0"/>
+              <a:t>()%&gt;&lt;/p&gt;</a:t>
+            </a:r>
+          </a:p>
+          <a:p>
+            <a:pPr marL="0" indent="0">
+              <a:buNone/>
+            </a:pPr>
+            <a:r>
+              <a:rPr lang="en-US" altLang="zh-CN" dirty="0" smtClean="0"/>
+              <a:t>&lt;/</a:t>
+            </a:r>
+            <a:r>
+              <a:rPr lang="en-US" altLang="zh-CN" dirty="0"/>
+              <a:t>body</a:t>
+            </a:r>
+            <a:r>
+              <a:rPr lang="en-US" altLang="zh-CN" dirty="0" smtClean="0"/>
+              <a:t>&gt;</a:t>
+            </a:r>
+          </a:p>
+          <a:p>
+            <a:pPr marL="0" indent="0">
+              <a:buNone/>
+            </a:pPr>
+            <a:endParaRPr lang="zh-CN" altLang="en-US" dirty="0"/>
+          </a:p>
+        </p:txBody>
+      </p:sp>
+    </p:spTree>
+    <p:extLst>
+      <p:ext uri="{BB962C8B-B14F-4D97-AF65-F5344CB8AC3E}">
+        <p14:creationId xmlns:p14="http://schemas.microsoft.com/office/powerpoint/2010/main" val="534967957"/>
+      </p:ext>
+    </p:extLst>
+  </p:cSld>
+  <p:clrMapOvr>
+    <a:masterClrMapping/>
+  </p:clrMapOvr>
+  <p:timing>
+    <p:tnLst>
+      <p:par>
+        <p:cTn id="1" dur="indefinite" restart="never" nodeType="tmRoot"/>
+      </p:par>
+    </p:tnLst>
+  </p:timing>
+</p:sld>
+</file>
+
+<file path=ppt/slides/slide6.xml><?xml version="1.0" encoding="utf-8"?>
+<p:sld xmlns:a="http://schemas.openxmlformats.org/drawingml/2006/main" xmlns:r="http://schemas.openxmlformats.org/officeDocument/2006/relationships" xmlns:p="http://schemas.openxmlformats.org/presentationml/2006/main">
+  <p:cSld>
+    <p:spTree>
+      <p:nvGrpSpPr>
+        <p:cNvPr id="1" name=""/>
+        <p:cNvGrpSpPr/>
+        <p:nvPr/>
+      </p:nvGrpSpPr>
+      <p:grpSpPr>
+        <a:xfrm>
+          <a:off x="0" y="0"/>
+          <a:ext cx="0" cy="0"/>
+          <a:chOff x="0" y="0"/>
+          <a:chExt cx="0" cy="0"/>
+        </a:xfrm>
+      </p:grpSpPr>
+      <p:sp>
+        <p:nvSpPr>
+          <p:cNvPr id="2" name="标题 1"/>
+          <p:cNvSpPr>
+            <a:spLocks noGrp="1"/>
+          </p:cNvSpPr>
+          <p:nvPr>
+            <p:ph type="title"/>
+          </p:nvPr>
+        </p:nvSpPr>
+        <p:spPr/>
+        <p:txBody>
+          <a:bodyPr>
+            <a:normAutofit fontScale="90000"/>
+          </a:bodyPr>
+          <a:lstStyle/>
+          <a:p>
+            <a:r>
+              <a:rPr lang="en-US" altLang="zh-CN" dirty="0" smtClean="0"/>
+              <a:t>JSP</a:t>
+            </a:r>
+            <a:r>
+              <a:rPr lang="zh-CN" altLang="en-US" dirty="0" smtClean="0"/>
+              <a:t>元素 </a:t>
+            </a:r>
+            <a:r>
+              <a:rPr lang="en-US" altLang="zh-CN" dirty="0" smtClean="0"/>
+              <a:t>- </a:t>
+            </a:r>
+            <a:r>
+              <a:rPr lang="en-US" altLang="zh-CN" dirty="0" err="1" smtClean="0">
+                <a:effectLst/>
+              </a:rPr>
+              <a:t>Scriptlet</a:t>
+            </a:r>
+            <a:endParaRPr lang="zh-CN" altLang="en-US" dirty="0"/>
+          </a:p>
+        </p:txBody>
+      </p:sp>
+      <p:sp>
+        <p:nvSpPr>
+          <p:cNvPr id="3" name="内容占位符 2"/>
+          <p:cNvSpPr>
+            <a:spLocks noGrp="1"/>
+          </p:cNvSpPr>
+          <p:nvPr>
+            <p:ph idx="1"/>
+          </p:nvPr>
+        </p:nvSpPr>
+        <p:spPr/>
+        <p:txBody>
+          <a:bodyPr>
+            <a:normAutofit/>
+          </a:bodyPr>
+          <a:lstStyle/>
+          <a:p>
+            <a:r>
+              <a:rPr lang="en-US" altLang="zh-CN" dirty="0"/>
+              <a:t>&lt;% </a:t>
+            </a:r>
+            <a:r>
+              <a:rPr lang="en-US" altLang="zh-CN" dirty="0" smtClean="0"/>
+              <a:t>Java</a:t>
+            </a:r>
+            <a:r>
+              <a:rPr lang="zh-CN" altLang="en-US" dirty="0" smtClean="0"/>
+              <a:t>代码段 </a:t>
+            </a:r>
+            <a:r>
+              <a:rPr lang="en-US" altLang="zh-CN" dirty="0" smtClean="0"/>
+              <a:t>%&gt;</a:t>
+            </a:r>
+          </a:p>
+          <a:p>
+            <a:pPr marL="0" indent="0">
+              <a:buNone/>
+            </a:pPr>
+            <a:endParaRPr lang="en-US" altLang="zh-CN" dirty="0" smtClean="0"/>
+          </a:p>
+          <a:p>
+            <a:pPr marL="0" indent="0">
+              <a:buNone/>
+            </a:pPr>
+            <a:r>
+              <a:rPr lang="en-US" altLang="zh-CN" sz="2200" dirty="0"/>
+              <a:t>&lt;body&gt;</a:t>
+            </a:r>
+          </a:p>
+          <a:p>
+            <a:pPr marL="0" indent="0">
+              <a:buNone/>
+            </a:pPr>
+            <a:r>
+              <a:rPr lang="en-US" altLang="zh-CN" sz="2200" dirty="0"/>
+              <a:t>      &lt;p&gt;Today's date: </a:t>
+            </a:r>
+            <a:endParaRPr lang="en-US" altLang="zh-CN" sz="2200" dirty="0" smtClean="0"/>
+          </a:p>
+          <a:p>
+            <a:pPr marL="0" indent="0">
+              <a:buNone/>
+            </a:pPr>
+            <a:r>
+              <a:rPr lang="en-US" altLang="zh-CN" sz="2200" dirty="0"/>
+              <a:t> </a:t>
+            </a:r>
+            <a:r>
+              <a:rPr lang="en-US" altLang="zh-CN" sz="2200" dirty="0" smtClean="0"/>
+              <a:t>        &lt;%</a:t>
+            </a:r>
+          </a:p>
+          <a:p>
+            <a:pPr marL="0" indent="0">
+              <a:buNone/>
+            </a:pPr>
+            <a:r>
+              <a:rPr lang="en-US" altLang="zh-CN" sz="2200" dirty="0"/>
+              <a:t> </a:t>
+            </a:r>
+            <a:r>
+              <a:rPr lang="en-US" altLang="zh-CN" sz="2200" dirty="0" smtClean="0"/>
+              <a:t>          </a:t>
+            </a:r>
+            <a:r>
+              <a:rPr lang="en-US" altLang="zh-CN" sz="2200" dirty="0"/>
+              <a:t> </a:t>
+            </a:r>
+            <a:r>
+              <a:rPr lang="en-US" altLang="zh-CN" sz="2200" dirty="0" err="1" smtClean="0"/>
+              <a:t>out.println</a:t>
+            </a:r>
+            <a:r>
+              <a:rPr lang="en-US" altLang="zh-CN" sz="2200" dirty="0" smtClean="0"/>
+              <a:t> </a:t>
+            </a:r>
+            <a:r>
+              <a:rPr lang="en-US" altLang="zh-CN" sz="2200" dirty="0"/>
+              <a:t>(new </a:t>
+            </a:r>
+            <a:r>
+              <a:rPr lang="en-US" altLang="zh-CN" sz="2200" dirty="0" err="1"/>
+              <a:t>java.util.Date</a:t>
+            </a:r>
+            <a:r>
+              <a:rPr lang="en-US" altLang="zh-CN" sz="2200" dirty="0"/>
+              <a:t>()).</a:t>
+            </a:r>
+            <a:r>
+              <a:rPr lang="en-US" altLang="zh-CN" sz="2200" dirty="0" err="1"/>
+              <a:t>toLocaleString</a:t>
+            </a:r>
+            <a:r>
+              <a:rPr lang="en-US" altLang="zh-CN" sz="2200" dirty="0" smtClean="0"/>
+              <a:t>()</a:t>
+            </a:r>
+            <a:r>
+              <a:rPr lang="zh-CN" altLang="en-US" sz="2200" dirty="0" smtClean="0"/>
+              <a:t>） ；</a:t>
+            </a:r>
+            <a:endParaRPr lang="en-US" altLang="zh-CN" sz="2200" dirty="0" smtClean="0"/>
+          </a:p>
+          <a:p>
+            <a:pPr marL="0" indent="0">
+              <a:buNone/>
+            </a:pPr>
+            <a:r>
+              <a:rPr lang="en-US" altLang="zh-CN" sz="2200" dirty="0" smtClean="0"/>
+              <a:t>         %&gt;</a:t>
+            </a:r>
+          </a:p>
+          <a:p>
+            <a:pPr marL="0" indent="0">
+              <a:buNone/>
+            </a:pPr>
+            <a:r>
+              <a:rPr lang="en-US" altLang="zh-CN" sz="2200" dirty="0"/>
+              <a:t> </a:t>
+            </a:r>
+            <a:r>
+              <a:rPr lang="en-US" altLang="zh-CN" sz="2200" dirty="0" smtClean="0"/>
+              <a:t>     </a:t>
+            </a:r>
+            <a:r>
+              <a:rPr lang="en-US" altLang="zh-CN" sz="2200" dirty="0"/>
+              <a:t> &lt;/p&gt;</a:t>
+            </a:r>
+          </a:p>
+          <a:p>
+            <a:pPr marL="0" indent="0">
+              <a:buNone/>
+            </a:pPr>
+            <a:r>
+              <a:rPr lang="en-US" altLang="zh-CN" sz="2200" dirty="0"/>
+              <a:t>&lt;/body</a:t>
+            </a:r>
+            <a:r>
+              <a:rPr lang="en-US" altLang="zh-CN" sz="2200" dirty="0" smtClean="0"/>
+              <a:t>&gt;</a:t>
+            </a:r>
+            <a:endParaRPr lang="en-US" altLang="zh-CN" sz="2200" dirty="0"/>
+          </a:p>
+        </p:txBody>
+      </p:sp>
+    </p:spTree>
+    <p:extLst>
+      <p:ext uri="{BB962C8B-B14F-4D97-AF65-F5344CB8AC3E}">
+        <p14:creationId xmlns:p14="http://schemas.microsoft.com/office/powerpoint/2010/main" val="2236289384"/>
+      </p:ext>
+    </p:extLst>
+  </p:cSld>
+  <p:clrMapOvr>
+    <a:masterClrMapping/>
+  </p:clrMapOvr>
+  <p:timing>
+    <p:tnLst>
+      <p:par>
+        <p:cTn id="1" dur="indefinite" restart="never" nodeType="tmRoot"/>
+      </p:par>
+    </p:tnLst>
+  </p:timing>
+</p:sld>
+</file>
+
+<file path=ppt/slides/slide7.xml><?xml version="1.0" encoding="utf-8"?>
+<p:sld xmlns:a="http://schemas.openxmlformats.org/drawingml/2006/main" xmlns:r="http://schemas.openxmlformats.org/officeDocument/2006/relationships" xmlns:p="http://schemas.openxmlformats.org/presentationml/2006/main">
+  <p:cSld>
+    <p:spTree>
+      <p:nvGrpSpPr>
+        <p:cNvPr id="1" name=""/>
+        <p:cNvGrpSpPr/>
+        <p:nvPr/>
+      </p:nvGrpSpPr>
+      <p:grpSpPr>
+        <a:xfrm>
+          <a:off x="0" y="0"/>
+          <a:ext cx="0" cy="0"/>
+          <a:chOff x="0" y="0"/>
+          <a:chExt cx="0" cy="0"/>
+        </a:xfrm>
+      </p:grpSpPr>
+      <p:sp>
+        <p:nvSpPr>
+          <p:cNvPr id="2" name="标题 1"/>
+          <p:cNvSpPr>
+            <a:spLocks noGrp="1"/>
+          </p:cNvSpPr>
+          <p:nvPr>
+            <p:ph type="title"/>
+          </p:nvPr>
+        </p:nvSpPr>
+        <p:spPr/>
+        <p:txBody>
+          <a:bodyPr>
+            <a:normAutofit fontScale="90000"/>
+          </a:bodyPr>
+          <a:lstStyle/>
+          <a:p>
+            <a:r>
+              <a:rPr lang="en-US" altLang="zh-CN" dirty="0"/>
+              <a:t>JSP</a:t>
+            </a:r>
+            <a:r>
+              <a:rPr lang="zh-CN" altLang="en-US" dirty="0" smtClean="0"/>
+              <a:t>元素 </a:t>
+            </a:r>
+            <a:r>
+              <a:rPr lang="en-US" altLang="zh-CN" dirty="0" smtClean="0"/>
+              <a:t>– </a:t>
+            </a:r>
+            <a:r>
+              <a:rPr lang="zh-CN" altLang="en-US" dirty="0" smtClean="0"/>
+              <a:t>声明</a:t>
+            </a:r>
+            <a:endParaRPr lang="zh-CN" altLang="en-US" dirty="0"/>
+          </a:p>
+        </p:txBody>
+      </p:sp>
+      <p:sp>
+        <p:nvSpPr>
+          <p:cNvPr id="3" name="内容占位符 2"/>
+          <p:cNvSpPr>
+            <a:spLocks noGrp="1"/>
+          </p:cNvSpPr>
+          <p:nvPr>
+            <p:ph idx="1"/>
+          </p:nvPr>
+        </p:nvSpPr>
+        <p:spPr/>
+        <p:txBody>
+          <a:bodyPr/>
+          <a:lstStyle/>
+          <a:p>
+            <a:r>
+              <a:rPr lang="en-US" altLang="zh-CN" dirty="0"/>
+              <a:t>&lt;%! declaration; [ declaration; ]+ ... </a:t>
+            </a:r>
+            <a:r>
+              <a:rPr lang="en-US" altLang="zh-CN" dirty="0" smtClean="0"/>
+              <a:t>%&gt;</a:t>
+            </a:r>
+          </a:p>
+          <a:p>
+            <a:pPr marL="0" indent="0">
+              <a:buNone/>
+            </a:pPr>
+            <a:endParaRPr lang="en-US" altLang="zh-CN" dirty="0"/>
+          </a:p>
+          <a:p>
+            <a:pPr marL="0" indent="0">
+              <a:buNone/>
+            </a:pPr>
+            <a:r>
+              <a:rPr lang="en-US" altLang="zh-CN" dirty="0"/>
+              <a:t>&lt;%! </a:t>
+            </a:r>
+            <a:r>
+              <a:rPr lang="en-US" altLang="zh-CN" dirty="0" err="1"/>
+              <a:t>int</a:t>
+            </a:r>
+            <a:r>
+              <a:rPr lang="en-US" altLang="zh-CN" dirty="0"/>
+              <a:t> i = 0; %&gt; </a:t>
+            </a:r>
+          </a:p>
+          <a:p>
+            <a:pPr marL="0" indent="0">
+              <a:buNone/>
+            </a:pPr>
+            <a:r>
+              <a:rPr lang="en-US" altLang="zh-CN" dirty="0"/>
+              <a:t>&lt;%! </a:t>
+            </a:r>
+            <a:r>
+              <a:rPr lang="en-US" altLang="zh-CN" dirty="0" err="1"/>
+              <a:t>int</a:t>
+            </a:r>
+            <a:r>
+              <a:rPr lang="en-US" altLang="zh-CN" dirty="0"/>
+              <a:t> a, b, c; %&gt; </a:t>
+            </a:r>
+          </a:p>
+          <a:p>
+            <a:pPr marL="0" indent="0">
+              <a:buNone/>
+            </a:pPr>
+            <a:r>
+              <a:rPr lang="en-US" altLang="zh-CN" dirty="0"/>
+              <a:t>&lt;%! Circle a = new Circle(2.0); %&gt;</a:t>
+            </a:r>
+            <a:endParaRPr lang="zh-CN" altLang="en-US" dirty="0"/>
+          </a:p>
+        </p:txBody>
+      </p:sp>
+    </p:spTree>
+    <p:extLst>
+      <p:ext uri="{BB962C8B-B14F-4D97-AF65-F5344CB8AC3E}">
+        <p14:creationId xmlns:p14="http://schemas.microsoft.com/office/powerpoint/2010/main" val="2614439145"/>
+      </p:ext>
+    </p:extLst>
+  </p:cSld>
+  <p:clrMapOvr>
+    <a:masterClrMapping/>
+  </p:clrMapOvr>
+  <p:timing>
+    <p:tnLst>
+      <p:par>
+        <p:cTn id="1" dur="indefinite" restart="never" nodeType="tmRoot"/>
+      </p:par>
+    </p:tnLst>
+  </p:timing>
+</p:sld>
+</file>
+
+<file path=ppt/slides/slide8.xml><?xml version="1.0" encoding="utf-8"?>
+<p:sld xmlns:a="http://schemas.openxmlformats.org/drawingml/2006/main" xmlns:r="http://schemas.openxmlformats.org/officeDocument/2006/relationships" xmlns:p="http://schemas.openxmlformats.org/presentationml/2006/main">
+  <p:cSld>
+    <p:spTree>
+      <p:nvGrpSpPr>
+        <p:cNvPr id="1" name=""/>
+        <p:cNvGrpSpPr/>
+        <p:nvPr/>
+      </p:nvGrpSpPr>
+      <p:grpSpPr>
+        <a:xfrm>
+          <a:off x="0" y="0"/>
+          <a:ext cx="0" cy="0"/>
+          <a:chOff x="0" y="0"/>
+          <a:chExt cx="0" cy="0"/>
+        </a:xfrm>
+      </p:grpSpPr>
+      <p:sp>
+        <p:nvSpPr>
+          <p:cNvPr id="2" name="标题 1"/>
+          <p:cNvSpPr>
+            <a:spLocks noGrp="1"/>
+          </p:cNvSpPr>
+          <p:nvPr>
+            <p:ph type="title"/>
+          </p:nvPr>
+        </p:nvSpPr>
+        <p:spPr/>
+        <p:txBody>
+          <a:bodyPr>
+            <a:normAutofit fontScale="90000"/>
+          </a:bodyPr>
+          <a:lstStyle/>
+          <a:p>
+            <a:r>
+              <a:rPr lang="en-US" altLang="zh-CN" dirty="0"/>
+              <a:t>JSP</a:t>
+            </a:r>
+            <a:r>
+              <a:rPr lang="zh-CN" altLang="en-US" dirty="0"/>
+              <a:t>元素 </a:t>
+            </a:r>
+            <a:r>
+              <a:rPr lang="en-US" altLang="zh-CN" dirty="0" smtClean="0"/>
+              <a:t>– </a:t>
+            </a:r>
+            <a:r>
+              <a:rPr lang="zh-CN" altLang="en-US" dirty="0" smtClean="0"/>
+              <a:t>指令</a:t>
+            </a:r>
+            <a:endParaRPr lang="zh-CN" altLang="en-US" dirty="0"/>
+          </a:p>
+        </p:txBody>
+      </p:sp>
+      <p:sp>
+        <p:nvSpPr>
+          <p:cNvPr id="3" name="内容占位符 2"/>
+          <p:cNvSpPr>
+            <a:spLocks noGrp="1"/>
+          </p:cNvSpPr>
+          <p:nvPr>
+            <p:ph idx="1"/>
+          </p:nvPr>
+        </p:nvSpPr>
+        <p:spPr/>
+        <p:txBody>
+          <a:bodyPr/>
+          <a:lstStyle/>
+          <a:p>
+            <a:r>
+              <a:rPr lang="en-US" altLang="zh-CN" dirty="0"/>
+              <a:t>&lt;%@ page ... </a:t>
+            </a:r>
+            <a:r>
+              <a:rPr lang="en-US" altLang="zh-CN" dirty="0" smtClean="0"/>
+              <a:t>%&gt; </a:t>
+            </a:r>
+          </a:p>
+          <a:p>
+            <a:pPr marL="457200" lvl="1" indent="0">
+              <a:buNone/>
+            </a:pPr>
+            <a:r>
+              <a:rPr lang="zh-CN" altLang="en-US" dirty="0" smtClean="0"/>
+              <a:t>此页面的属性</a:t>
+            </a:r>
+            <a:r>
+              <a:rPr lang="en-US" altLang="zh-CN" dirty="0" smtClean="0"/>
+              <a:t>,</a:t>
+            </a:r>
+            <a:r>
+              <a:rPr lang="zh-CN" altLang="en-US" dirty="0" smtClean="0"/>
+              <a:t>例如编码</a:t>
+            </a:r>
+            <a:r>
+              <a:rPr lang="en-US" altLang="zh-CN" dirty="0" smtClean="0"/>
+              <a:t>,</a:t>
+            </a:r>
+            <a:r>
+              <a:rPr lang="zh-CN" altLang="en-US" dirty="0" smtClean="0"/>
+              <a:t>是否是错误对象</a:t>
+            </a:r>
+            <a:endParaRPr lang="en-US" altLang="zh-CN" dirty="0"/>
+          </a:p>
+          <a:p>
+            <a:r>
+              <a:rPr lang="en-US" altLang="zh-CN" dirty="0"/>
+              <a:t>&lt;%@ include ... </a:t>
+            </a:r>
+            <a:r>
+              <a:rPr lang="en-US" altLang="zh-CN" dirty="0" smtClean="0"/>
+              <a:t>%&gt; </a:t>
+            </a:r>
+          </a:p>
+          <a:p>
+            <a:pPr marL="457200" lvl="1" indent="0">
+              <a:buNone/>
+            </a:pPr>
+            <a:r>
+              <a:rPr lang="zh-CN" altLang="en-US" dirty="0" smtClean="0"/>
+              <a:t>在编译时将另一个页面包括进来</a:t>
+            </a:r>
+            <a:endParaRPr lang="en-US" altLang="zh-CN" dirty="0" smtClean="0"/>
+          </a:p>
+          <a:p>
+            <a:r>
+              <a:rPr lang="en-US" altLang="zh-CN" dirty="0"/>
+              <a:t>&lt;%@ </a:t>
+            </a:r>
+            <a:r>
+              <a:rPr lang="en-US" altLang="zh-CN" dirty="0" err="1"/>
+              <a:t>taglib</a:t>
+            </a:r>
+            <a:r>
+              <a:rPr lang="en-US" altLang="zh-CN" dirty="0"/>
+              <a:t> ... </a:t>
+            </a:r>
+            <a:r>
+              <a:rPr lang="en-US" altLang="zh-CN" dirty="0" smtClean="0"/>
+              <a:t>%&gt; </a:t>
+            </a:r>
+          </a:p>
+          <a:p>
+            <a:pPr marL="457200" lvl="1" indent="0">
+              <a:buNone/>
+            </a:pPr>
+            <a:r>
+              <a:rPr lang="zh-CN" altLang="en-US" dirty="0" smtClean="0"/>
+              <a:t>此页面所使用的</a:t>
+            </a:r>
+            <a:r>
+              <a:rPr lang="en-US" altLang="zh-CN" dirty="0" err="1" smtClean="0"/>
+              <a:t>taglib</a:t>
+            </a:r>
+            <a:endParaRPr lang="en-US" altLang="zh-CN" dirty="0" smtClean="0"/>
+          </a:p>
+          <a:p>
+            <a:endParaRPr lang="zh-CN" altLang="en-US" dirty="0"/>
+          </a:p>
+        </p:txBody>
+      </p:sp>
+    </p:spTree>
+    <p:extLst>
+      <p:ext uri="{BB962C8B-B14F-4D97-AF65-F5344CB8AC3E}">
+        <p14:creationId xmlns:p14="http://schemas.microsoft.com/office/powerpoint/2010/main" val="2993944144"/>
+      </p:ext>
+    </p:extLst>
+  </p:cSld>
+  <p:clrMapOvr>
+    <a:masterClrMapping/>
+  </p:clrMapOvr>
+  <p:timing>
+    <p:tnLst>
+      <p:par>
+        <p:cTn id="1" dur="indefinite" restart="never" nodeType="tmRoot"/>
+      </p:par>
+    </p:tnLst>
+  </p:timing>
+</p:sld>
+</file>
+
+<file path=ppt/slides/slide9.xml><?xml version="1.0" encoding="utf-8"?>
+<p:sld xmlns:a="http://schemas.openxmlformats.org/drawingml/2006/main" xmlns:r="http://schemas.openxmlformats.org/officeDocument/2006/relationships" xmlns:p="http://schemas.openxmlformats.org/presentationml/2006/main">
+  <p:cSld>
+    <p:spTree>
+      <p:nvGrpSpPr>
+        <p:cNvPr id="1" name=""/>
+        <p:cNvGrpSpPr/>
+        <p:nvPr/>
+      </p:nvGrpSpPr>
+      <p:grpSpPr>
+        <a:xfrm>
+          <a:off x="0" y="0"/>
+          <a:ext cx="0" cy="0"/>
+          <a:chOff x="0" y="0"/>
+          <a:chExt cx="0" cy="0"/>
+        </a:xfrm>
+      </p:grpSpPr>
+      <p:sp>
+        <p:nvSpPr>
+          <p:cNvPr id="2" name="标题 1"/>
+          <p:cNvSpPr>
+            <a:spLocks noGrp="1"/>
+          </p:cNvSpPr>
+          <p:nvPr>
+            <p:ph type="title"/>
+          </p:nvPr>
+        </p:nvSpPr>
+        <p:spPr/>
+        <p:txBody>
+          <a:bodyPr>
+            <a:normAutofit fontScale="90000"/>
+          </a:bodyPr>
+          <a:lstStyle/>
+          <a:p>
+            <a:r>
+              <a:rPr lang="zh-CN" altLang="en-US" dirty="0" smtClean="0"/>
+              <a:t>错误页面</a:t>
+            </a:r>
+            <a:endParaRPr lang="zh-CN" altLang="en-US" dirty="0"/>
+          </a:p>
+        </p:txBody>
+      </p:sp>
+      <p:sp>
+        <p:nvSpPr>
+          <p:cNvPr id="3" name="内容占位符 2"/>
+          <p:cNvSpPr>
+            <a:spLocks noGrp="1"/>
+          </p:cNvSpPr>
+          <p:nvPr>
+            <p:ph idx="1"/>
+          </p:nvPr>
+        </p:nvSpPr>
+        <p:spPr>
+          <a:xfrm>
+            <a:off x="323528" y="1600200"/>
+            <a:ext cx="8568952" cy="4525963"/>
+          </a:xfrm>
+        </p:spPr>
+        <p:txBody>
+          <a:bodyPr>
+            <a:normAutofit/>
+          </a:bodyPr>
+          <a:lstStyle/>
+          <a:p>
+            <a:r>
+              <a:rPr lang="en-US" altLang="zh-CN" sz="2800" dirty="0"/>
+              <a:t>&lt;%@ page </a:t>
+            </a:r>
+            <a:r>
+              <a:rPr lang="en-US" altLang="zh-CN" sz="2800" dirty="0" err="1"/>
+              <a:t>errorPage</a:t>
+            </a:r>
+            <a:r>
+              <a:rPr lang="en-US" altLang="zh-CN" sz="2800" dirty="0"/>
+              <a:t> = "</a:t>
+            </a:r>
+            <a:r>
+              <a:rPr lang="en-US" altLang="zh-CN" sz="2800" dirty="0" err="1"/>
+              <a:t>showerror.jsp</a:t>
+            </a:r>
+            <a:r>
+              <a:rPr lang="en-US" altLang="zh-CN" sz="2800" dirty="0"/>
+              <a:t>" </a:t>
+            </a:r>
+            <a:r>
+              <a:rPr lang="en-US" altLang="zh-CN" sz="2800" dirty="0" smtClean="0"/>
+              <a:t>%&gt;</a:t>
+            </a:r>
+          </a:p>
+          <a:p>
+            <a:r>
+              <a:rPr lang="en-US" altLang="zh-CN" sz="2800" dirty="0"/>
+              <a:t>&lt;%@ page </a:t>
+            </a:r>
+            <a:r>
+              <a:rPr lang="en-US" altLang="zh-CN" sz="2800" dirty="0" err="1"/>
+              <a:t>isErrorPage</a:t>
+            </a:r>
+            <a:r>
+              <a:rPr lang="en-US" altLang="zh-CN" sz="2800" dirty="0"/>
+              <a:t> = "true" %&gt;</a:t>
+            </a:r>
+            <a:endParaRPr lang="zh-CN" altLang="en-US" sz="2800" dirty="0"/>
+          </a:p>
+        </p:txBody>
+      </p:sp>
+    </p:spTree>
+    <p:extLst>
+      <p:ext uri="{BB962C8B-B14F-4D97-AF65-F5344CB8AC3E}">
+        <p14:creationId xmlns:p14="http://schemas.microsoft.com/office/powerpoint/2010/main" val="2989698957"/>
       </p:ext>
     </p:extLst>
   </p:cSld>
